--- a/DSI Project 1_JJA.pptx
+++ b/DSI Project 1_JJA.pptx
@@ -275,26 +275,39 @@
 <file path=ppt/changesInfos/changesInfo1.xml><?xml version="1.0" encoding="utf-8"?>
 <pc:chgInfo xmlns:a="http://schemas.openxmlformats.org/drawingml/2006/main" xmlns:r="http://schemas.openxmlformats.org/officeDocument/2006/relationships" xmlns:ac="http://schemas.microsoft.com/office/drawing/2013/main/command" xmlns:pc="http://schemas.microsoft.com/office/powerpoint/2013/main/command">
   <pc:docChgLst>
-    <pc:chgData name="Jance Ng" userId="2dac45b7c78f653f" providerId="LiveId" clId="{D5E300AF-3EB3-4FAE-8221-324B80E42CC1}"/>
+    <pc:chgData name="Jance Ng" userId="2dac45b7c78f653f" providerId="LiveId" clId="{CA1E2D8F-8FBA-4A2A-8488-F8527687123A}"/>
     <pc:docChg chg="modSld">
-      <pc:chgData name="Jance Ng" userId="2dac45b7c78f653f" providerId="LiveId" clId="{D5E300AF-3EB3-4FAE-8221-324B80E42CC1}" dt="2022-09-29T13:15:21.176" v="0" actId="255"/>
+      <pc:chgData name="Jance Ng" userId="2dac45b7c78f653f" providerId="LiveId" clId="{CA1E2D8F-8FBA-4A2A-8488-F8527687123A}" dt="2022-10-01T03:16:10.771" v="7" actId="20577"/>
       <pc:docMkLst>
         <pc:docMk/>
       </pc:docMkLst>
-      <pc:sldChg chg="modSp mod">
-        <pc:chgData name="Jance Ng" userId="2dac45b7c78f653f" providerId="LiveId" clId="{D5E300AF-3EB3-4FAE-8221-324B80E42CC1}" dt="2022-09-29T13:15:21.176" v="0" actId="255"/>
+      <pc:sldChg chg="modNotesTx">
+        <pc:chgData name="Jance Ng" userId="2dac45b7c78f653f" providerId="LiveId" clId="{CA1E2D8F-8FBA-4A2A-8488-F8527687123A}" dt="2022-10-01T03:15:21.187" v="1" actId="20577"/>
         <pc:sldMkLst>
           <pc:docMk/>
-          <pc:sldMk cId="0" sldId="256"/>
+          <pc:sldMk cId="0" sldId="260"/>
         </pc:sldMkLst>
-        <pc:spChg chg="mod">
-          <ac:chgData name="Jance Ng" userId="2dac45b7c78f653f" providerId="LiveId" clId="{D5E300AF-3EB3-4FAE-8221-324B80E42CC1}" dt="2022-09-29T13:15:21.176" v="0" actId="255"/>
-          <ac:spMkLst>
-            <pc:docMk/>
-            <pc:sldMk cId="0" sldId="256"/>
-            <ac:spMk id="55" creationId="{00000000-0000-0000-0000-000000000000}"/>
-          </ac:spMkLst>
-        </pc:spChg>
+      </pc:sldChg>
+      <pc:sldChg chg="modNotesTx">
+        <pc:chgData name="Jance Ng" userId="2dac45b7c78f653f" providerId="LiveId" clId="{CA1E2D8F-8FBA-4A2A-8488-F8527687123A}" dt="2022-10-01T03:15:37.058" v="3" actId="20577"/>
+        <pc:sldMkLst>
+          <pc:docMk/>
+          <pc:sldMk cId="0" sldId="261"/>
+        </pc:sldMkLst>
+      </pc:sldChg>
+      <pc:sldChg chg="modNotesTx">
+        <pc:chgData name="Jance Ng" userId="2dac45b7c78f653f" providerId="LiveId" clId="{CA1E2D8F-8FBA-4A2A-8488-F8527687123A}" dt="2022-10-01T03:15:54.813" v="5" actId="20577"/>
+        <pc:sldMkLst>
+          <pc:docMk/>
+          <pc:sldMk cId="0" sldId="262"/>
+        </pc:sldMkLst>
+      </pc:sldChg>
+      <pc:sldChg chg="modNotesTx">
+        <pc:chgData name="Jance Ng" userId="2dac45b7c78f653f" providerId="LiveId" clId="{CA1E2D8F-8FBA-4A2A-8488-F8527687123A}" dt="2022-10-01T03:16:10.771" v="7" actId="20577"/>
+        <pc:sldMkLst>
+          <pc:docMk/>
+          <pc:sldMk cId="0" sldId="263"/>
+        </pc:sldMkLst>
       </pc:sldChg>
     </pc:docChg>
   </pc:docChgLst>
@@ -761,7 +774,851 @@
       </p:grpSpPr>
       <p:sp>
         <p:nvSpPr>
-          <p:cNvPr id="51" name="Google Shape;51;p:notes"/>
+          <p:cNvPr id="51" name="Google Shape;51;g15fcd017677_4_1:notes"/>
+          <p:cNvSpPr>
+            <a:spLocks noGrp="1" noRot="1" noChangeAspect="1"/>
+          </p:cNvSpPr>
+          <p:nvPr>
+            <p:ph type="sldImg" idx="2"/>
+          </p:nvPr>
+        </p:nvSpPr>
+        <p:spPr>
+          <a:xfrm>
+            <a:off x="381300" y="685800"/>
+            <a:ext cx="6096000" cy="3429000"/>
+          </a:xfrm>
+          <a:custGeom>
+            <a:avLst/>
+            <a:gdLst/>
+            <a:ahLst/>
+            <a:cxnLst/>
+            <a:rect l="l" t="t" r="r" b="b"/>
+            <a:pathLst>
+              <a:path w="120000" h="120000" extrusionOk="0">
+                <a:moveTo>
+                  <a:pt x="0" y="0"/>
+                </a:moveTo>
+                <a:lnTo>
+                  <a:pt x="120000" y="0"/>
+                </a:lnTo>
+                <a:lnTo>
+                  <a:pt x="120000" y="120000"/>
+                </a:lnTo>
+                <a:lnTo>
+                  <a:pt x="0" y="120000"/>
+                </a:lnTo>
+                <a:close/>
+              </a:path>
+            </a:pathLst>
+          </a:custGeom>
+        </p:spPr>
+      </p:sp>
+      <p:sp>
+        <p:nvSpPr>
+          <p:cNvPr id="52" name="Google Shape;52;g15fcd017677_4_1:notes"/>
+          <p:cNvSpPr txBox="1">
+            <a:spLocks noGrp="1"/>
+          </p:cNvSpPr>
+          <p:nvPr>
+            <p:ph type="body" idx="1"/>
+          </p:nvPr>
+        </p:nvSpPr>
+        <p:spPr>
+          <a:xfrm>
+            <a:off x="685800" y="4343400"/>
+            <a:ext cx="5486400" cy="4114800"/>
+          </a:xfrm>
+          <a:prstGeom prst="rect">
+            <a:avLst/>
+          </a:prstGeom>
+        </p:spPr>
+        <p:txBody>
+          <a:bodyPr spcFirstLastPara="1" wrap="square" lIns="91425" tIns="91425" rIns="91425" bIns="91425" anchor="t" anchorCtr="0">
+            <a:noAutofit/>
+          </a:bodyPr>
+          <a:lstStyle/>
+          <a:p>
+            <a:pPr marL="0" lvl="0" indent="0" algn="l" rtl="0">
+              <a:spcBef>
+                <a:spcPts val="0"/>
+              </a:spcBef>
+              <a:spcAft>
+                <a:spcPts val="0"/>
+              </a:spcAft>
+              <a:buNone/>
+            </a:pPr>
+            <a:r>
+              <a:rPr lang="en-GB"/>
+              <a:t>Good afternoon everyone, we’re from group 3. My name is Adrian Kong and I’m with my group mates Jance and Jin Min. Today we’re here to talk about our projects and findings, so without further ado, let’s start with the problem statement of our project.</a:t>
+            </a:r>
+            <a:endParaRPr/>
+          </a:p>
+        </p:txBody>
+      </p:sp>
+    </p:spTree>
+  </p:cSld>
+  <p:clrMapOvr>
+    <a:masterClrMapping/>
+  </p:clrMapOvr>
+</p:notes>
+</file>
+
+<file path=ppt/notesSlides/notesSlide10.xml><?xml version="1.0" encoding="utf-8"?>
+<p:notes xmlns:a="http://schemas.openxmlformats.org/drawingml/2006/main" xmlns:r="http://schemas.openxmlformats.org/officeDocument/2006/relationships" xmlns:p="http://schemas.openxmlformats.org/presentationml/2006/main" showMasterSp="0" showMasterPhAnim="0">
+  <p:cSld>
+    <p:spTree>
+      <p:nvGrpSpPr>
+        <p:cNvPr id="1" name="Shape 100"/>
+        <p:cNvGrpSpPr/>
+        <p:nvPr/>
+      </p:nvGrpSpPr>
+      <p:grpSpPr>
+        <a:xfrm>
+          <a:off x="0" y="0"/>
+          <a:ext cx="0" cy="0"/>
+          <a:chOff x="0" y="0"/>
+          <a:chExt cx="0" cy="0"/>
+        </a:xfrm>
+      </p:grpSpPr>
+      <p:sp>
+        <p:nvSpPr>
+          <p:cNvPr id="101" name="Google Shape;101;g15e16d9c218_0_49:notes"/>
+          <p:cNvSpPr>
+            <a:spLocks noGrp="1" noRot="1" noChangeAspect="1"/>
+          </p:cNvSpPr>
+          <p:nvPr>
+            <p:ph type="sldImg" idx="2"/>
+          </p:nvPr>
+        </p:nvSpPr>
+        <p:spPr>
+          <a:xfrm>
+            <a:off x="381300" y="685800"/>
+            <a:ext cx="6096000" cy="3429000"/>
+          </a:xfrm>
+          <a:custGeom>
+            <a:avLst/>
+            <a:gdLst/>
+            <a:ahLst/>
+            <a:cxnLst/>
+            <a:rect l="l" t="t" r="r" b="b"/>
+            <a:pathLst>
+              <a:path w="120000" h="120000" extrusionOk="0">
+                <a:moveTo>
+                  <a:pt x="0" y="0"/>
+                </a:moveTo>
+                <a:lnTo>
+                  <a:pt x="120000" y="0"/>
+                </a:lnTo>
+                <a:lnTo>
+                  <a:pt x="120000" y="120000"/>
+                </a:lnTo>
+                <a:lnTo>
+                  <a:pt x="0" y="120000"/>
+                </a:lnTo>
+                <a:close/>
+              </a:path>
+            </a:pathLst>
+          </a:custGeom>
+        </p:spPr>
+      </p:sp>
+      <p:sp>
+        <p:nvSpPr>
+          <p:cNvPr id="102" name="Google Shape;102;g15e16d9c218_0_49:notes"/>
+          <p:cNvSpPr txBox="1">
+            <a:spLocks noGrp="1"/>
+          </p:cNvSpPr>
+          <p:nvPr>
+            <p:ph type="body" idx="1"/>
+          </p:nvPr>
+        </p:nvSpPr>
+        <p:spPr>
+          <a:xfrm>
+            <a:off x="685800" y="4343400"/>
+            <a:ext cx="5486400" cy="4114800"/>
+          </a:xfrm>
+          <a:prstGeom prst="rect">
+            <a:avLst/>
+          </a:prstGeom>
+        </p:spPr>
+        <p:txBody>
+          <a:bodyPr spcFirstLastPara="1" wrap="square" lIns="91425" tIns="91425" rIns="91425" bIns="91425" anchor="t" anchorCtr="0">
+            <a:noAutofit/>
+          </a:bodyPr>
+          <a:lstStyle/>
+          <a:p>
+            <a:pPr marL="0" lvl="0" indent="0" algn="l" rtl="0">
+              <a:spcBef>
+                <a:spcPts val="0"/>
+              </a:spcBef>
+              <a:spcAft>
+                <a:spcPts val="0"/>
+              </a:spcAft>
+              <a:buNone/>
+            </a:pPr>
+            <a:endParaRPr/>
+          </a:p>
+        </p:txBody>
+      </p:sp>
+    </p:spTree>
+  </p:cSld>
+  <p:clrMapOvr>
+    <a:masterClrMapping/>
+  </p:clrMapOvr>
+</p:notes>
+</file>
+
+<file path=ppt/notesSlides/notesSlide11.xml><?xml version="1.0" encoding="utf-8"?>
+<p:notes xmlns:a="http://schemas.openxmlformats.org/drawingml/2006/main" xmlns:r="http://schemas.openxmlformats.org/officeDocument/2006/relationships" xmlns:p="http://schemas.openxmlformats.org/presentationml/2006/main" showMasterSp="0" showMasterPhAnim="0">
+  <p:cSld>
+    <p:spTree>
+      <p:nvGrpSpPr>
+        <p:cNvPr id="1" name="Shape 105"/>
+        <p:cNvGrpSpPr/>
+        <p:nvPr/>
+      </p:nvGrpSpPr>
+      <p:grpSpPr>
+        <a:xfrm>
+          <a:off x="0" y="0"/>
+          <a:ext cx="0" cy="0"/>
+          <a:chOff x="0" y="0"/>
+          <a:chExt cx="0" cy="0"/>
+        </a:xfrm>
+      </p:grpSpPr>
+      <p:sp>
+        <p:nvSpPr>
+          <p:cNvPr id="106" name="Google Shape;106;g15e16d9c218_0_55:notes"/>
+          <p:cNvSpPr>
+            <a:spLocks noGrp="1" noRot="1" noChangeAspect="1"/>
+          </p:cNvSpPr>
+          <p:nvPr>
+            <p:ph type="sldImg" idx="2"/>
+          </p:nvPr>
+        </p:nvSpPr>
+        <p:spPr>
+          <a:xfrm>
+            <a:off x="381300" y="685800"/>
+            <a:ext cx="6096000" cy="3429000"/>
+          </a:xfrm>
+          <a:custGeom>
+            <a:avLst/>
+            <a:gdLst/>
+            <a:ahLst/>
+            <a:cxnLst/>
+            <a:rect l="l" t="t" r="r" b="b"/>
+            <a:pathLst>
+              <a:path w="120000" h="120000" extrusionOk="0">
+                <a:moveTo>
+                  <a:pt x="0" y="0"/>
+                </a:moveTo>
+                <a:lnTo>
+                  <a:pt x="120000" y="0"/>
+                </a:lnTo>
+                <a:lnTo>
+                  <a:pt x="120000" y="120000"/>
+                </a:lnTo>
+                <a:lnTo>
+                  <a:pt x="0" y="120000"/>
+                </a:lnTo>
+                <a:close/>
+              </a:path>
+            </a:pathLst>
+          </a:custGeom>
+        </p:spPr>
+      </p:sp>
+      <p:sp>
+        <p:nvSpPr>
+          <p:cNvPr id="107" name="Google Shape;107;g15e16d9c218_0_55:notes"/>
+          <p:cNvSpPr txBox="1">
+            <a:spLocks noGrp="1"/>
+          </p:cNvSpPr>
+          <p:nvPr>
+            <p:ph type="body" idx="1"/>
+          </p:nvPr>
+        </p:nvSpPr>
+        <p:spPr>
+          <a:xfrm>
+            <a:off x="685800" y="4343400"/>
+            <a:ext cx="5486400" cy="4114800"/>
+          </a:xfrm>
+          <a:prstGeom prst="rect">
+            <a:avLst/>
+          </a:prstGeom>
+        </p:spPr>
+        <p:txBody>
+          <a:bodyPr spcFirstLastPara="1" wrap="square" lIns="91425" tIns="91425" rIns="91425" bIns="91425" anchor="t" anchorCtr="0">
+            <a:noAutofit/>
+          </a:bodyPr>
+          <a:lstStyle/>
+          <a:p>
+            <a:pPr marL="0" lvl="0" indent="0" algn="l" rtl="0">
+              <a:spcBef>
+                <a:spcPts val="0"/>
+              </a:spcBef>
+              <a:spcAft>
+                <a:spcPts val="0"/>
+              </a:spcAft>
+              <a:buNone/>
+            </a:pPr>
+            <a:endParaRPr/>
+          </a:p>
+        </p:txBody>
+      </p:sp>
+    </p:spTree>
+  </p:cSld>
+  <p:clrMapOvr>
+    <a:masterClrMapping/>
+  </p:clrMapOvr>
+</p:notes>
+</file>
+
+<file path=ppt/notesSlides/notesSlide12.xml><?xml version="1.0" encoding="utf-8"?>
+<p:notes xmlns:a="http://schemas.openxmlformats.org/drawingml/2006/main" xmlns:r="http://schemas.openxmlformats.org/officeDocument/2006/relationships" xmlns:p="http://schemas.openxmlformats.org/presentationml/2006/main" showMasterSp="0" showMasterPhAnim="0">
+  <p:cSld>
+    <p:spTree>
+      <p:nvGrpSpPr>
+        <p:cNvPr id="1" name="Shape 110"/>
+        <p:cNvGrpSpPr/>
+        <p:nvPr/>
+      </p:nvGrpSpPr>
+      <p:grpSpPr>
+        <a:xfrm>
+          <a:off x="0" y="0"/>
+          <a:ext cx="0" cy="0"/>
+          <a:chOff x="0" y="0"/>
+          <a:chExt cx="0" cy="0"/>
+        </a:xfrm>
+      </p:grpSpPr>
+      <p:sp>
+        <p:nvSpPr>
+          <p:cNvPr id="111" name="Google Shape;111;g15e16d9c218_0_61:notes"/>
+          <p:cNvSpPr>
+            <a:spLocks noGrp="1" noRot="1" noChangeAspect="1"/>
+          </p:cNvSpPr>
+          <p:nvPr>
+            <p:ph type="sldImg" idx="2"/>
+          </p:nvPr>
+        </p:nvSpPr>
+        <p:spPr>
+          <a:xfrm>
+            <a:off x="381300" y="685800"/>
+            <a:ext cx="6096000" cy="3429000"/>
+          </a:xfrm>
+          <a:custGeom>
+            <a:avLst/>
+            <a:gdLst/>
+            <a:ahLst/>
+            <a:cxnLst/>
+            <a:rect l="l" t="t" r="r" b="b"/>
+            <a:pathLst>
+              <a:path w="120000" h="120000" extrusionOk="0">
+                <a:moveTo>
+                  <a:pt x="0" y="0"/>
+                </a:moveTo>
+                <a:lnTo>
+                  <a:pt x="120000" y="0"/>
+                </a:lnTo>
+                <a:lnTo>
+                  <a:pt x="120000" y="120000"/>
+                </a:lnTo>
+                <a:lnTo>
+                  <a:pt x="0" y="120000"/>
+                </a:lnTo>
+                <a:close/>
+              </a:path>
+            </a:pathLst>
+          </a:custGeom>
+        </p:spPr>
+      </p:sp>
+      <p:sp>
+        <p:nvSpPr>
+          <p:cNvPr id="112" name="Google Shape;112;g15e16d9c218_0_61:notes"/>
+          <p:cNvSpPr txBox="1">
+            <a:spLocks noGrp="1"/>
+          </p:cNvSpPr>
+          <p:nvPr>
+            <p:ph type="body" idx="1"/>
+          </p:nvPr>
+        </p:nvSpPr>
+        <p:spPr>
+          <a:xfrm>
+            <a:off x="685800" y="4343400"/>
+            <a:ext cx="5486400" cy="4114800"/>
+          </a:xfrm>
+          <a:prstGeom prst="rect">
+            <a:avLst/>
+          </a:prstGeom>
+        </p:spPr>
+        <p:txBody>
+          <a:bodyPr spcFirstLastPara="1" wrap="square" lIns="91425" tIns="91425" rIns="91425" bIns="91425" anchor="t" anchorCtr="0">
+            <a:noAutofit/>
+          </a:bodyPr>
+          <a:lstStyle/>
+          <a:p>
+            <a:pPr marL="0" lvl="0" indent="0" algn="l" rtl="0">
+              <a:spcBef>
+                <a:spcPts val="0"/>
+              </a:spcBef>
+              <a:spcAft>
+                <a:spcPts val="0"/>
+              </a:spcAft>
+              <a:buNone/>
+            </a:pPr>
+            <a:endParaRPr/>
+          </a:p>
+        </p:txBody>
+      </p:sp>
+    </p:spTree>
+  </p:cSld>
+  <p:clrMapOvr>
+    <a:masterClrMapping/>
+  </p:clrMapOvr>
+</p:notes>
+</file>
+
+<file path=ppt/notesSlides/notesSlide13.xml><?xml version="1.0" encoding="utf-8"?>
+<p:notes xmlns:a="http://schemas.openxmlformats.org/drawingml/2006/main" xmlns:r="http://schemas.openxmlformats.org/officeDocument/2006/relationships" xmlns:p="http://schemas.openxmlformats.org/presentationml/2006/main" showMasterSp="0" showMasterPhAnim="0">
+  <p:cSld>
+    <p:spTree>
+      <p:nvGrpSpPr>
+        <p:cNvPr id="1" name="Shape 116"/>
+        <p:cNvGrpSpPr/>
+        <p:nvPr/>
+      </p:nvGrpSpPr>
+      <p:grpSpPr>
+        <a:xfrm>
+          <a:off x="0" y="0"/>
+          <a:ext cx="0" cy="0"/>
+          <a:chOff x="0" y="0"/>
+          <a:chExt cx="0" cy="0"/>
+        </a:xfrm>
+      </p:grpSpPr>
+      <p:sp>
+        <p:nvSpPr>
+          <p:cNvPr id="117" name="Google Shape;117;g15e16d9c218_0_67:notes"/>
+          <p:cNvSpPr>
+            <a:spLocks noGrp="1" noRot="1" noChangeAspect="1"/>
+          </p:cNvSpPr>
+          <p:nvPr>
+            <p:ph type="sldImg" idx="2"/>
+          </p:nvPr>
+        </p:nvSpPr>
+        <p:spPr>
+          <a:xfrm>
+            <a:off x="381300" y="685800"/>
+            <a:ext cx="6096000" cy="3429000"/>
+          </a:xfrm>
+          <a:custGeom>
+            <a:avLst/>
+            <a:gdLst/>
+            <a:ahLst/>
+            <a:cxnLst/>
+            <a:rect l="l" t="t" r="r" b="b"/>
+            <a:pathLst>
+              <a:path w="120000" h="120000" extrusionOk="0">
+                <a:moveTo>
+                  <a:pt x="0" y="0"/>
+                </a:moveTo>
+                <a:lnTo>
+                  <a:pt x="120000" y="0"/>
+                </a:lnTo>
+                <a:lnTo>
+                  <a:pt x="120000" y="120000"/>
+                </a:lnTo>
+                <a:lnTo>
+                  <a:pt x="0" y="120000"/>
+                </a:lnTo>
+                <a:close/>
+              </a:path>
+            </a:pathLst>
+          </a:custGeom>
+        </p:spPr>
+      </p:sp>
+      <p:sp>
+        <p:nvSpPr>
+          <p:cNvPr id="118" name="Google Shape;118;g15e16d9c218_0_67:notes"/>
+          <p:cNvSpPr txBox="1">
+            <a:spLocks noGrp="1"/>
+          </p:cNvSpPr>
+          <p:nvPr>
+            <p:ph type="body" idx="1"/>
+          </p:nvPr>
+        </p:nvSpPr>
+        <p:spPr>
+          <a:xfrm>
+            <a:off x="685800" y="4343400"/>
+            <a:ext cx="5486400" cy="4114800"/>
+          </a:xfrm>
+          <a:prstGeom prst="rect">
+            <a:avLst/>
+          </a:prstGeom>
+        </p:spPr>
+        <p:txBody>
+          <a:bodyPr spcFirstLastPara="1" wrap="square" lIns="91425" tIns="91425" rIns="91425" bIns="91425" anchor="t" anchorCtr="0">
+            <a:noAutofit/>
+          </a:bodyPr>
+          <a:lstStyle/>
+          <a:p>
+            <a:pPr marL="0" lvl="0" indent="0" algn="l" rtl="0">
+              <a:spcBef>
+                <a:spcPts val="0"/>
+              </a:spcBef>
+              <a:spcAft>
+                <a:spcPts val="0"/>
+              </a:spcAft>
+              <a:buNone/>
+            </a:pPr>
+            <a:endParaRPr/>
+          </a:p>
+        </p:txBody>
+      </p:sp>
+    </p:spTree>
+  </p:cSld>
+  <p:clrMapOvr>
+    <a:masterClrMapping/>
+  </p:clrMapOvr>
+</p:notes>
+</file>
+
+<file path=ppt/notesSlides/notesSlide2.xml><?xml version="1.0" encoding="utf-8"?>
+<p:notes xmlns:a="http://schemas.openxmlformats.org/drawingml/2006/main" xmlns:r="http://schemas.openxmlformats.org/officeDocument/2006/relationships" xmlns:p="http://schemas.openxmlformats.org/presentationml/2006/main" showMasterSp="0" showMasterPhAnim="0">
+  <p:cSld>
+    <p:spTree>
+      <p:nvGrpSpPr>
+        <p:cNvPr id="1" name="Shape 56"/>
+        <p:cNvGrpSpPr/>
+        <p:nvPr/>
+      </p:nvGrpSpPr>
+      <p:grpSpPr>
+        <a:xfrm>
+          <a:off x="0" y="0"/>
+          <a:ext cx="0" cy="0"/>
+          <a:chOff x="0" y="0"/>
+          <a:chExt cx="0" cy="0"/>
+        </a:xfrm>
+      </p:grpSpPr>
+      <p:sp>
+        <p:nvSpPr>
+          <p:cNvPr id="57" name="Google Shape;57;p:notes"/>
+          <p:cNvSpPr>
+            <a:spLocks noGrp="1" noRot="1" noChangeAspect="1"/>
+          </p:cNvSpPr>
+          <p:nvPr>
+            <p:ph type="sldImg" idx="2"/>
+          </p:nvPr>
+        </p:nvSpPr>
+        <p:spPr>
+          <a:xfrm>
+            <a:off x="381300" y="685800"/>
+            <a:ext cx="6096075" cy="3429000"/>
+          </a:xfrm>
+          <a:custGeom>
+            <a:avLst/>
+            <a:gdLst/>
+            <a:ahLst/>
+            <a:cxnLst/>
+            <a:rect l="l" t="t" r="r" b="b"/>
+            <a:pathLst>
+              <a:path w="120000" h="120000" extrusionOk="0">
+                <a:moveTo>
+                  <a:pt x="0" y="0"/>
+                </a:moveTo>
+                <a:lnTo>
+                  <a:pt x="120000" y="0"/>
+                </a:lnTo>
+                <a:lnTo>
+                  <a:pt x="120000" y="120000"/>
+                </a:lnTo>
+                <a:lnTo>
+                  <a:pt x="0" y="120000"/>
+                </a:lnTo>
+                <a:close/>
+              </a:path>
+            </a:pathLst>
+          </a:custGeom>
+        </p:spPr>
+      </p:sp>
+      <p:sp>
+        <p:nvSpPr>
+          <p:cNvPr id="58" name="Google Shape;58;p:notes"/>
+          <p:cNvSpPr txBox="1">
+            <a:spLocks noGrp="1"/>
+          </p:cNvSpPr>
+          <p:nvPr>
+            <p:ph type="body" idx="1"/>
+          </p:nvPr>
+        </p:nvSpPr>
+        <p:spPr>
+          <a:xfrm>
+            <a:off x="685800" y="4343400"/>
+            <a:ext cx="5486400" cy="4114800"/>
+          </a:xfrm>
+          <a:prstGeom prst="rect">
+            <a:avLst/>
+          </a:prstGeom>
+        </p:spPr>
+        <p:txBody>
+          <a:bodyPr spcFirstLastPara="1" wrap="square" lIns="91425" tIns="91425" rIns="91425" bIns="91425" anchor="t" anchorCtr="0">
+            <a:noAutofit/>
+          </a:bodyPr>
+          <a:lstStyle/>
+          <a:p>
+            <a:pPr marL="0" lvl="0" indent="0" algn="l" rtl="0">
+              <a:spcBef>
+                <a:spcPts val="0"/>
+              </a:spcBef>
+              <a:spcAft>
+                <a:spcPts val="0"/>
+              </a:spcAft>
+              <a:buNone/>
+            </a:pPr>
+            <a:r>
+              <a:rPr lang="en-GB"/>
+              <a:t>Education is very important to any country because it equips ppl with the skills and knowledges for better job opportunities and thereby boosting the economy.Tertiary education is one of the key factors affecting the employability and the future of a student. As the Department of Education, in short let’s call it DOE, it is our duty to help as many students as possible to enter into colleges. DOE is now performing an analysis on the college admission test which are the SAT and ACT to determine which states require more focus and more resources allocation from DOE. Before we start with the analysis, let’s take a look at the score distribution of SAT and ACT from 2017 to 2019.</a:t>
+            </a:r>
+            <a:endParaRPr/>
+          </a:p>
+        </p:txBody>
+      </p:sp>
+    </p:spTree>
+  </p:cSld>
+  <p:clrMapOvr>
+    <a:masterClrMapping/>
+  </p:clrMapOvr>
+</p:notes>
+</file>
+
+<file path=ppt/notesSlides/notesSlide3.xml><?xml version="1.0" encoding="utf-8"?>
+<p:notes xmlns:a="http://schemas.openxmlformats.org/drawingml/2006/main" xmlns:r="http://schemas.openxmlformats.org/officeDocument/2006/relationships" xmlns:p="http://schemas.openxmlformats.org/presentationml/2006/main" showMasterSp="0" showMasterPhAnim="0">
+  <p:cSld>
+    <p:spTree>
+      <p:nvGrpSpPr>
+        <p:cNvPr id="1" name="Shape 63"/>
+        <p:cNvGrpSpPr/>
+        <p:nvPr/>
+      </p:nvGrpSpPr>
+      <p:grpSpPr>
+        <a:xfrm>
+          <a:off x="0" y="0"/>
+          <a:ext cx="0" cy="0"/>
+          <a:chOff x="0" y="0"/>
+          <a:chExt cx="0" cy="0"/>
+        </a:xfrm>
+      </p:grpSpPr>
+      <p:sp>
+        <p:nvSpPr>
+          <p:cNvPr id="64" name="Google Shape;64;g15e16d9c218_0_1:notes"/>
+          <p:cNvSpPr>
+            <a:spLocks noGrp="1" noRot="1" noChangeAspect="1"/>
+          </p:cNvSpPr>
+          <p:nvPr>
+            <p:ph type="sldImg" idx="2"/>
+          </p:nvPr>
+        </p:nvSpPr>
+        <p:spPr>
+          <a:xfrm>
+            <a:off x="381300" y="685800"/>
+            <a:ext cx="6096000" cy="3429000"/>
+          </a:xfrm>
+          <a:custGeom>
+            <a:avLst/>
+            <a:gdLst/>
+            <a:ahLst/>
+            <a:cxnLst/>
+            <a:rect l="l" t="t" r="r" b="b"/>
+            <a:pathLst>
+              <a:path w="120000" h="120000" extrusionOk="0">
+                <a:moveTo>
+                  <a:pt x="0" y="0"/>
+                </a:moveTo>
+                <a:lnTo>
+                  <a:pt x="120000" y="0"/>
+                </a:lnTo>
+                <a:lnTo>
+                  <a:pt x="120000" y="120000"/>
+                </a:lnTo>
+                <a:lnTo>
+                  <a:pt x="0" y="120000"/>
+                </a:lnTo>
+                <a:close/>
+              </a:path>
+            </a:pathLst>
+          </a:custGeom>
+        </p:spPr>
+      </p:sp>
+      <p:sp>
+        <p:nvSpPr>
+          <p:cNvPr id="65" name="Google Shape;65;g15e16d9c218_0_1:notes"/>
+          <p:cNvSpPr txBox="1">
+            <a:spLocks noGrp="1"/>
+          </p:cNvSpPr>
+          <p:nvPr>
+            <p:ph type="body" idx="1"/>
+          </p:nvPr>
+        </p:nvSpPr>
+        <p:spPr>
+          <a:xfrm>
+            <a:off x="685800" y="4343400"/>
+            <a:ext cx="5486400" cy="4114800"/>
+          </a:xfrm>
+          <a:prstGeom prst="rect">
+            <a:avLst/>
+          </a:prstGeom>
+        </p:spPr>
+        <p:txBody>
+          <a:bodyPr spcFirstLastPara="1" wrap="square" lIns="91425" tIns="91425" rIns="91425" bIns="91425" anchor="t" anchorCtr="0">
+            <a:noAutofit/>
+          </a:bodyPr>
+          <a:lstStyle/>
+          <a:p>
+            <a:pPr marL="0" lvl="0" indent="0" algn="l" rtl="0">
+              <a:spcBef>
+                <a:spcPts val="0"/>
+              </a:spcBef>
+              <a:spcAft>
+                <a:spcPts val="0"/>
+              </a:spcAft>
+              <a:buNone/>
+            </a:pPr>
+            <a:r>
+              <a:rPr lang="en-GB"/>
+              <a:t>This is the score distribution chart of SAT from 2017 to 2019. Let me explain how do we read this chart, the darker the colour means the higher number of states that have average score falls in that particular distribution. For example, let’s take a look at the score of 1250 here, the color is a darker than </a:t>
+            </a:r>
+            <a:endParaRPr/>
+          </a:p>
+        </p:txBody>
+      </p:sp>
+    </p:spTree>
+  </p:cSld>
+  <p:clrMapOvr>
+    <a:masterClrMapping/>
+  </p:clrMapOvr>
+</p:notes>
+</file>
+
+<file path=ppt/notesSlides/notesSlide4.xml><?xml version="1.0" encoding="utf-8"?>
+<p:notes xmlns:a="http://schemas.openxmlformats.org/drawingml/2006/main" xmlns:r="http://schemas.openxmlformats.org/officeDocument/2006/relationships" xmlns:p="http://schemas.openxmlformats.org/presentationml/2006/main" showMasterSp="0" showMasterPhAnim="0">
+  <p:cSld>
+    <p:spTree>
+      <p:nvGrpSpPr>
+        <p:cNvPr id="1" name="Shape 69"/>
+        <p:cNvGrpSpPr/>
+        <p:nvPr/>
+      </p:nvGrpSpPr>
+      <p:grpSpPr>
+        <a:xfrm>
+          <a:off x="0" y="0"/>
+          <a:ext cx="0" cy="0"/>
+          <a:chOff x="0" y="0"/>
+          <a:chExt cx="0" cy="0"/>
+        </a:xfrm>
+      </p:grpSpPr>
+      <p:sp>
+        <p:nvSpPr>
+          <p:cNvPr id="70" name="Google Shape;70;g15e16d9c218_0_7:notes"/>
+          <p:cNvSpPr>
+            <a:spLocks noGrp="1" noRot="1" noChangeAspect="1"/>
+          </p:cNvSpPr>
+          <p:nvPr>
+            <p:ph type="sldImg" idx="2"/>
+          </p:nvPr>
+        </p:nvSpPr>
+        <p:spPr>
+          <a:xfrm>
+            <a:off x="381300" y="685800"/>
+            <a:ext cx="6096000" cy="3429000"/>
+          </a:xfrm>
+          <a:custGeom>
+            <a:avLst/>
+            <a:gdLst/>
+            <a:ahLst/>
+            <a:cxnLst/>
+            <a:rect l="l" t="t" r="r" b="b"/>
+            <a:pathLst>
+              <a:path w="120000" h="120000" extrusionOk="0">
+                <a:moveTo>
+                  <a:pt x="0" y="0"/>
+                </a:moveTo>
+                <a:lnTo>
+                  <a:pt x="120000" y="0"/>
+                </a:lnTo>
+                <a:lnTo>
+                  <a:pt x="120000" y="120000"/>
+                </a:lnTo>
+                <a:lnTo>
+                  <a:pt x="0" y="120000"/>
+                </a:lnTo>
+                <a:close/>
+              </a:path>
+            </a:pathLst>
+          </a:custGeom>
+        </p:spPr>
+      </p:sp>
+      <p:sp>
+        <p:nvSpPr>
+          <p:cNvPr id="71" name="Google Shape;71;g15e16d9c218_0_7:notes"/>
+          <p:cNvSpPr txBox="1">
+            <a:spLocks noGrp="1"/>
+          </p:cNvSpPr>
+          <p:nvPr>
+            <p:ph type="body" idx="1"/>
+          </p:nvPr>
+        </p:nvSpPr>
+        <p:spPr>
+          <a:xfrm>
+            <a:off x="685800" y="4343400"/>
+            <a:ext cx="5486400" cy="4114800"/>
+          </a:xfrm>
+          <a:prstGeom prst="rect">
+            <a:avLst/>
+          </a:prstGeom>
+        </p:spPr>
+        <p:txBody>
+          <a:bodyPr spcFirstLastPara="1" wrap="square" lIns="91425" tIns="91425" rIns="91425" bIns="91425" anchor="t" anchorCtr="0">
+            <a:noAutofit/>
+          </a:bodyPr>
+          <a:lstStyle/>
+          <a:p>
+            <a:pPr marL="0" lvl="0" indent="0" algn="l" rtl="0">
+              <a:spcBef>
+                <a:spcPts val="0"/>
+              </a:spcBef>
+              <a:spcAft>
+                <a:spcPts val="0"/>
+              </a:spcAft>
+              <a:buNone/>
+            </a:pPr>
+            <a:endParaRPr/>
+          </a:p>
+        </p:txBody>
+      </p:sp>
+    </p:spTree>
+  </p:cSld>
+  <p:clrMapOvr>
+    <a:masterClrMapping/>
+  </p:clrMapOvr>
+</p:notes>
+</file>
+
+<file path=ppt/notesSlides/notesSlide5.xml><?xml version="1.0" encoding="utf-8"?>
+<p:notes xmlns:a="http://schemas.openxmlformats.org/drawingml/2006/main" xmlns:r="http://schemas.openxmlformats.org/officeDocument/2006/relationships" xmlns:p="http://schemas.openxmlformats.org/presentationml/2006/main" showMasterSp="0" showMasterPhAnim="0">
+  <p:cSld>
+    <p:spTree>
+      <p:nvGrpSpPr>
+        <p:cNvPr id="1" name="Shape 75"/>
+        <p:cNvGrpSpPr/>
+        <p:nvPr/>
+      </p:nvGrpSpPr>
+      <p:grpSpPr>
+        <a:xfrm>
+          <a:off x="0" y="0"/>
+          <a:ext cx="0" cy="0"/>
+          <a:chOff x="0" y="0"/>
+          <a:chExt cx="0" cy="0"/>
+        </a:xfrm>
+      </p:grpSpPr>
+      <p:sp>
+        <p:nvSpPr>
+          <p:cNvPr id="76" name="Google Shape;76;g15e16d9c218_0_13:notes"/>
           <p:cNvSpPr>
             <a:spLocks noGrp="1" noRot="1" noChangeAspect="1"/>
           </p:cNvSpPr>
@@ -802,7 +1659,7 @@
       </p:sp>
       <p:sp>
         <p:nvSpPr>
-          <p:cNvPr id="52" name="Google Shape;52;p:notes"/>
+          <p:cNvPr id="77" name="Google Shape;77;g15e16d9c218_0_13:notes"/>
           <p:cNvSpPr txBox="1">
             <a:spLocks noGrp="1"/>
           </p:cNvSpPr>
@@ -834,7 +1691,40 @@
               </a:spcAft>
               <a:buNone/>
             </a:pPr>
-            <a:endParaRPr/>
+            <a:r>
+              <a:rPr lang="en-SG" dirty="0"/>
+              <a:t>Thank you Adrian.</a:t>
+            </a:r>
+          </a:p>
+          <a:p>
+            <a:pPr marL="0" lvl="0" indent="0" algn="l" rtl="0">
+              <a:spcBef>
+                <a:spcPts val="0"/>
+              </a:spcBef>
+              <a:spcAft>
+                <a:spcPts val="0"/>
+              </a:spcAft>
+              <a:buNone/>
+            </a:pPr>
+            <a:r>
+              <a:rPr lang="en-SG" dirty="0"/>
+              <a:t>Now let us look at the participation rate of SAT and ACT, and we see that there is an increase in the participation rate for SAT whereas there is a drop in the ACT participation rate.</a:t>
+            </a:r>
+          </a:p>
+          <a:p>
+            <a:pPr marL="0" lvl="0" indent="0" algn="l" rtl="0">
+              <a:spcBef>
+                <a:spcPts val="0"/>
+              </a:spcBef>
+              <a:spcAft>
+                <a:spcPts val="0"/>
+              </a:spcAft>
+              <a:buNone/>
+            </a:pPr>
+            <a:r>
+              <a:rPr lang="en-SG" dirty="0"/>
+              <a:t>Just keep this in mind as we move along</a:t>
+            </a:r>
           </a:p>
         </p:txBody>
       </p:sp>
@@ -846,12 +1736,12 @@
 </p:notes>
 </file>
 
-<file path=ppt/notesSlides/notesSlide10.xml><?xml version="1.0" encoding="utf-8"?>
+<file path=ppt/notesSlides/notesSlide6.xml><?xml version="1.0" encoding="utf-8"?>
 <p:notes xmlns:a="http://schemas.openxmlformats.org/drawingml/2006/main" xmlns:r="http://schemas.openxmlformats.org/officeDocument/2006/relationships" xmlns:p="http://schemas.openxmlformats.org/presentationml/2006/main" showMasterSp="0" showMasterPhAnim="0">
   <p:cSld>
     <p:spTree>
       <p:nvGrpSpPr>
-        <p:cNvPr id="1" name="Shape 99"/>
+        <p:cNvPr id="1" name="Shape 80"/>
         <p:cNvGrpSpPr/>
         <p:nvPr/>
       </p:nvGrpSpPr>
@@ -865,7 +1755,490 @@
       </p:grpSpPr>
       <p:sp>
         <p:nvSpPr>
-          <p:cNvPr id="100" name="Google Shape;100;g15e16d9c218_0_49:notes"/>
+          <p:cNvPr id="81" name="Google Shape;81;g15e16d9c218_0_19:notes"/>
+          <p:cNvSpPr>
+            <a:spLocks noGrp="1" noRot="1" noChangeAspect="1"/>
+          </p:cNvSpPr>
+          <p:nvPr>
+            <p:ph type="sldImg" idx="2"/>
+          </p:nvPr>
+        </p:nvSpPr>
+        <p:spPr>
+          <a:xfrm>
+            <a:off x="381000" y="685800"/>
+            <a:ext cx="6096000" cy="3429000"/>
+          </a:xfrm>
+          <a:custGeom>
+            <a:avLst/>
+            <a:gdLst/>
+            <a:ahLst/>
+            <a:cxnLst/>
+            <a:rect l="l" t="t" r="r" b="b"/>
+            <a:pathLst>
+              <a:path w="120000" h="120000" extrusionOk="0">
+                <a:moveTo>
+                  <a:pt x="0" y="0"/>
+                </a:moveTo>
+                <a:lnTo>
+                  <a:pt x="120000" y="0"/>
+                </a:lnTo>
+                <a:lnTo>
+                  <a:pt x="120000" y="120000"/>
+                </a:lnTo>
+                <a:lnTo>
+                  <a:pt x="0" y="120000"/>
+                </a:lnTo>
+                <a:close/>
+              </a:path>
+            </a:pathLst>
+          </a:custGeom>
+        </p:spPr>
+      </p:sp>
+      <p:sp>
+        <p:nvSpPr>
+          <p:cNvPr id="82" name="Google Shape;82;g15e16d9c218_0_19:notes"/>
+          <p:cNvSpPr txBox="1">
+            <a:spLocks noGrp="1"/>
+          </p:cNvSpPr>
+          <p:nvPr>
+            <p:ph type="body" idx="1"/>
+          </p:nvPr>
+        </p:nvSpPr>
+        <p:spPr>
+          <a:xfrm>
+            <a:off x="685800" y="4343400"/>
+            <a:ext cx="5486400" cy="4114800"/>
+          </a:xfrm>
+          <a:prstGeom prst="rect">
+            <a:avLst/>
+          </a:prstGeom>
+        </p:spPr>
+        <p:txBody>
+          <a:bodyPr spcFirstLastPara="1" wrap="square" lIns="91425" tIns="91425" rIns="91425" bIns="91425" anchor="t" anchorCtr="0">
+            <a:noAutofit/>
+          </a:bodyPr>
+          <a:lstStyle/>
+          <a:p>
+            <a:pPr marL="0" lvl="0" indent="0" algn="l" rtl="0">
+              <a:spcBef>
+                <a:spcPts val="0"/>
+              </a:spcBef>
+              <a:spcAft>
+                <a:spcPts val="0"/>
+              </a:spcAft>
+              <a:buNone/>
+            </a:pPr>
+            <a:r>
+              <a:rPr lang="en-SG" dirty="0"/>
+              <a:t>In this chart we see the minimum SAT score, the maximum SAT score.</a:t>
+            </a:r>
+          </a:p>
+          <a:p>
+            <a:pPr marL="0" lvl="0" indent="0" algn="l" rtl="0">
+              <a:spcBef>
+                <a:spcPts val="0"/>
+              </a:spcBef>
+              <a:spcAft>
+                <a:spcPts val="0"/>
+              </a:spcAft>
+              <a:buNone/>
+            </a:pPr>
+            <a:r>
+              <a:rPr lang="en-SG" dirty="0"/>
+              <a:t>25% of the scores are lesser than this value.</a:t>
+            </a:r>
+          </a:p>
+          <a:p>
+            <a:pPr marL="0" lvl="0" indent="0" algn="l" rtl="0">
+              <a:spcBef>
+                <a:spcPts val="0"/>
+              </a:spcBef>
+              <a:spcAft>
+                <a:spcPts val="0"/>
+              </a:spcAft>
+              <a:buNone/>
+            </a:pPr>
+            <a:r>
+              <a:rPr lang="en-SG" dirty="0"/>
+              <a:t>This is the median score where the data is cut into half.</a:t>
+            </a:r>
+          </a:p>
+          <a:p>
+            <a:pPr marL="0" lvl="0" indent="0" algn="l" rtl="0">
+              <a:spcBef>
+                <a:spcPts val="0"/>
+              </a:spcBef>
+              <a:spcAft>
+                <a:spcPts val="0"/>
+              </a:spcAft>
+              <a:buNone/>
+            </a:pPr>
+            <a:r>
+              <a:rPr lang="en-SG" dirty="0"/>
+              <a:t>And this is the 75</a:t>
+            </a:r>
+            <a:r>
+              <a:rPr lang="en-SG" baseline="30000" dirty="0"/>
+              <a:t>th</a:t>
+            </a:r>
+            <a:r>
+              <a:rPr lang="en-SG" dirty="0"/>
+              <a:t> percentile or in another words, 75% of the score is lesser than this value. </a:t>
+            </a:r>
+          </a:p>
+          <a:p>
+            <a:pPr marL="0" lvl="0" indent="0" algn="l" rtl="0">
+              <a:spcBef>
+                <a:spcPts val="0"/>
+              </a:spcBef>
+              <a:spcAft>
+                <a:spcPts val="0"/>
+              </a:spcAft>
+              <a:buNone/>
+            </a:pPr>
+            <a:r>
+              <a:rPr lang="en-SG" dirty="0"/>
+              <a:t>We see that overall there is a drop in the SAT score, and there is no abnormal score observed in the data.</a:t>
+            </a:r>
+          </a:p>
+        </p:txBody>
+      </p:sp>
+    </p:spTree>
+  </p:cSld>
+  <p:clrMapOvr>
+    <a:masterClrMapping/>
+  </p:clrMapOvr>
+</p:notes>
+</file>
+
+<file path=ppt/notesSlides/notesSlide7.xml><?xml version="1.0" encoding="utf-8"?>
+<p:notes xmlns:a="http://schemas.openxmlformats.org/drawingml/2006/main" xmlns:r="http://schemas.openxmlformats.org/officeDocument/2006/relationships" xmlns:p="http://schemas.openxmlformats.org/presentationml/2006/main" showMasterSp="0" showMasterPhAnim="0">
+  <p:cSld>
+    <p:spTree>
+      <p:nvGrpSpPr>
+        <p:cNvPr id="1" name="Shape 85"/>
+        <p:cNvGrpSpPr/>
+        <p:nvPr/>
+      </p:nvGrpSpPr>
+      <p:grpSpPr>
+        <a:xfrm>
+          <a:off x="0" y="0"/>
+          <a:ext cx="0" cy="0"/>
+          <a:chOff x="0" y="0"/>
+          <a:chExt cx="0" cy="0"/>
+        </a:xfrm>
+      </p:grpSpPr>
+      <p:sp>
+        <p:nvSpPr>
+          <p:cNvPr id="86" name="Google Shape;86;g15e16d9c218_0_25:notes"/>
+          <p:cNvSpPr>
+            <a:spLocks noGrp="1" noRot="1" noChangeAspect="1"/>
+          </p:cNvSpPr>
+          <p:nvPr>
+            <p:ph type="sldImg" idx="2"/>
+          </p:nvPr>
+        </p:nvSpPr>
+        <p:spPr>
+          <a:xfrm>
+            <a:off x="381000" y="685800"/>
+            <a:ext cx="6096000" cy="3429000"/>
+          </a:xfrm>
+          <a:custGeom>
+            <a:avLst/>
+            <a:gdLst/>
+            <a:ahLst/>
+            <a:cxnLst/>
+            <a:rect l="l" t="t" r="r" b="b"/>
+            <a:pathLst>
+              <a:path w="120000" h="120000" extrusionOk="0">
+                <a:moveTo>
+                  <a:pt x="0" y="0"/>
+                </a:moveTo>
+                <a:lnTo>
+                  <a:pt x="120000" y="0"/>
+                </a:lnTo>
+                <a:lnTo>
+                  <a:pt x="120000" y="120000"/>
+                </a:lnTo>
+                <a:lnTo>
+                  <a:pt x="0" y="120000"/>
+                </a:lnTo>
+                <a:close/>
+              </a:path>
+            </a:pathLst>
+          </a:custGeom>
+        </p:spPr>
+      </p:sp>
+      <p:sp>
+        <p:nvSpPr>
+          <p:cNvPr id="87" name="Google Shape;87;g15e16d9c218_0_25:notes"/>
+          <p:cNvSpPr txBox="1">
+            <a:spLocks noGrp="1"/>
+          </p:cNvSpPr>
+          <p:nvPr>
+            <p:ph type="body" idx="1"/>
+          </p:nvPr>
+        </p:nvSpPr>
+        <p:spPr>
+          <a:xfrm>
+            <a:off x="685800" y="4343400"/>
+            <a:ext cx="5486400" cy="4114800"/>
+          </a:xfrm>
+          <a:prstGeom prst="rect">
+            <a:avLst/>
+          </a:prstGeom>
+        </p:spPr>
+        <p:txBody>
+          <a:bodyPr spcFirstLastPara="1" wrap="square" lIns="91425" tIns="91425" rIns="91425" bIns="91425" anchor="t" anchorCtr="0">
+            <a:noAutofit/>
+          </a:bodyPr>
+          <a:lstStyle/>
+          <a:p>
+            <a:pPr marL="0" marR="0" lvl="0" indent="0" algn="l" defTabSz="914400" rtl="0" eaLnBrk="1" fontAlgn="auto" latinLnBrk="0" hangingPunct="1">
+              <a:lnSpc>
+                <a:spcPct val="100000"/>
+              </a:lnSpc>
+              <a:spcBef>
+                <a:spcPts val="0"/>
+              </a:spcBef>
+              <a:spcAft>
+                <a:spcPts val="0"/>
+              </a:spcAft>
+              <a:buClr>
+                <a:srgbClr val="000000"/>
+              </a:buClr>
+              <a:buSzPts val="1100"/>
+              <a:buFont typeface="Arial"/>
+              <a:buNone/>
+              <a:tabLst/>
+              <a:defRPr/>
+            </a:pPr>
+            <a:r>
+              <a:rPr lang="en-US" dirty="0"/>
+              <a:t>We plot the same type of chart for ACT score and see that there is not much change in the ACT scores</a:t>
+            </a:r>
+          </a:p>
+        </p:txBody>
+      </p:sp>
+    </p:spTree>
+  </p:cSld>
+  <p:clrMapOvr>
+    <a:masterClrMapping/>
+  </p:clrMapOvr>
+</p:notes>
+</file>
+
+<file path=ppt/notesSlides/notesSlide8.xml><?xml version="1.0" encoding="utf-8"?>
+<p:notes xmlns:a="http://schemas.openxmlformats.org/drawingml/2006/main" xmlns:r="http://schemas.openxmlformats.org/officeDocument/2006/relationships" xmlns:p="http://schemas.openxmlformats.org/presentationml/2006/main" showMasterSp="0" showMasterPhAnim="0">
+  <p:cSld>
+    <p:spTree>
+      <p:nvGrpSpPr>
+        <p:cNvPr id="1" name="Shape 90"/>
+        <p:cNvGrpSpPr/>
+        <p:nvPr/>
+      </p:nvGrpSpPr>
+      <p:grpSpPr>
+        <a:xfrm>
+          <a:off x="0" y="0"/>
+          <a:ext cx="0" cy="0"/>
+          <a:chOff x="0" y="0"/>
+          <a:chExt cx="0" cy="0"/>
+        </a:xfrm>
+      </p:grpSpPr>
+      <p:sp>
+        <p:nvSpPr>
+          <p:cNvPr id="91" name="Google Shape;91;g15e16d9c218_0_37:notes"/>
+          <p:cNvSpPr>
+            <a:spLocks noGrp="1" noRot="1" noChangeAspect="1"/>
+          </p:cNvSpPr>
+          <p:nvPr>
+            <p:ph type="sldImg" idx="2"/>
+          </p:nvPr>
+        </p:nvSpPr>
+        <p:spPr>
+          <a:xfrm>
+            <a:off x="381000" y="685800"/>
+            <a:ext cx="6096000" cy="3429000"/>
+          </a:xfrm>
+          <a:custGeom>
+            <a:avLst/>
+            <a:gdLst/>
+            <a:ahLst/>
+            <a:cxnLst/>
+            <a:rect l="l" t="t" r="r" b="b"/>
+            <a:pathLst>
+              <a:path w="120000" h="120000" extrusionOk="0">
+                <a:moveTo>
+                  <a:pt x="0" y="0"/>
+                </a:moveTo>
+                <a:lnTo>
+                  <a:pt x="120000" y="0"/>
+                </a:lnTo>
+                <a:lnTo>
+                  <a:pt x="120000" y="120000"/>
+                </a:lnTo>
+                <a:lnTo>
+                  <a:pt x="0" y="120000"/>
+                </a:lnTo>
+                <a:close/>
+              </a:path>
+            </a:pathLst>
+          </a:custGeom>
+        </p:spPr>
+      </p:sp>
+      <p:sp>
+        <p:nvSpPr>
+          <p:cNvPr id="92" name="Google Shape;92;g15e16d9c218_0_37:notes"/>
+          <p:cNvSpPr txBox="1">
+            <a:spLocks noGrp="1"/>
+          </p:cNvSpPr>
+          <p:nvPr>
+            <p:ph type="body" idx="1"/>
+          </p:nvPr>
+        </p:nvSpPr>
+        <p:spPr>
+          <a:xfrm>
+            <a:off x="685800" y="4343400"/>
+            <a:ext cx="5486400" cy="4114800"/>
+          </a:xfrm>
+          <a:prstGeom prst="rect">
+            <a:avLst/>
+          </a:prstGeom>
+        </p:spPr>
+        <p:txBody>
+          <a:bodyPr spcFirstLastPara="1" wrap="square" lIns="91425" tIns="91425" rIns="91425" bIns="91425" anchor="t" anchorCtr="0">
+            <a:noAutofit/>
+          </a:bodyPr>
+          <a:lstStyle/>
+          <a:p>
+            <a:pPr marL="0" lvl="0" indent="0" algn="l" rtl="0">
+              <a:spcBef>
+                <a:spcPts val="0"/>
+              </a:spcBef>
+              <a:spcAft>
+                <a:spcPts val="0"/>
+              </a:spcAft>
+              <a:buNone/>
+            </a:pPr>
+            <a:r>
+              <a:rPr lang="en-US" dirty="0"/>
+              <a:t>This chart shows the average SAT and ACT score over the past three years, and again we see a drop in the average SAT score.</a:t>
+            </a:r>
+          </a:p>
+          <a:p>
+            <a:pPr marL="0" lvl="0" indent="0" algn="l" rtl="0">
+              <a:spcBef>
+                <a:spcPts val="0"/>
+              </a:spcBef>
+              <a:spcAft>
+                <a:spcPts val="0"/>
+              </a:spcAft>
+              <a:buNone/>
+            </a:pPr>
+            <a:endParaRPr lang="en-US" dirty="0"/>
+          </a:p>
+          <a:p>
+            <a:pPr marL="0" lvl="0" indent="0" algn="l" rtl="0">
+              <a:spcBef>
+                <a:spcPts val="0"/>
+              </a:spcBef>
+              <a:spcAft>
+                <a:spcPts val="0"/>
+              </a:spcAft>
+              <a:buNone/>
+            </a:pPr>
+            <a:r>
+              <a:rPr lang="en-US" dirty="0"/>
+              <a:t>The greater drop observed in SAT score could be due to:</a:t>
+            </a:r>
+          </a:p>
+          <a:p>
+            <a:pPr marL="228600" lvl="0" indent="-228600" algn="l" rtl="0">
+              <a:spcBef>
+                <a:spcPts val="0"/>
+              </a:spcBef>
+              <a:spcAft>
+                <a:spcPts val="0"/>
+              </a:spcAft>
+              <a:buAutoNum type="arabicParenR"/>
+            </a:pPr>
+            <a:r>
+              <a:rPr lang="en-US" dirty="0"/>
+              <a:t>Higher participation rate in SAT vs lower participation rate in ACT, hence likely lesser data collected for ACT score over the years.</a:t>
+            </a:r>
+          </a:p>
+          <a:p>
+            <a:pPr marL="228600" lvl="0" indent="-228600" algn="l" rtl="0">
+              <a:spcBef>
+                <a:spcPts val="0"/>
+              </a:spcBef>
+              <a:spcAft>
+                <a:spcPts val="0"/>
+              </a:spcAft>
+              <a:buAutoNum type="arabicParenR"/>
+            </a:pPr>
+            <a:r>
+              <a:rPr lang="en-US" dirty="0"/>
+              <a:t>Larger range in the SAT score vs ACT, hence a smaller change in the SAT score could be more easily noticed than the ACT score.</a:t>
+            </a:r>
+          </a:p>
+          <a:p>
+            <a:pPr marL="228600" lvl="0" indent="-228600" algn="l" rtl="0">
+              <a:spcBef>
+                <a:spcPts val="0"/>
+              </a:spcBef>
+              <a:spcAft>
+                <a:spcPts val="0"/>
+              </a:spcAft>
+              <a:buAutoNum type="arabicParenR"/>
+            </a:pPr>
+            <a:endParaRPr lang="en-US" dirty="0"/>
+          </a:p>
+          <a:p>
+            <a:pPr marL="0" lvl="0" indent="0" algn="l" rtl="0">
+              <a:spcBef>
+                <a:spcPts val="0"/>
+              </a:spcBef>
+              <a:spcAft>
+                <a:spcPts val="0"/>
+              </a:spcAft>
+              <a:buNone/>
+            </a:pPr>
+            <a:r>
+              <a:rPr lang="en-US"/>
+              <a:t>More analysis and data is needed to confirm our presumption.</a:t>
+            </a:r>
+          </a:p>
+        </p:txBody>
+      </p:sp>
+    </p:spTree>
+  </p:cSld>
+  <p:clrMapOvr>
+    <a:masterClrMapping/>
+  </p:clrMapOvr>
+</p:notes>
+</file>
+
+<file path=ppt/notesSlides/notesSlide9.xml><?xml version="1.0" encoding="utf-8"?>
+<p:notes xmlns:a="http://schemas.openxmlformats.org/drawingml/2006/main" xmlns:r="http://schemas.openxmlformats.org/officeDocument/2006/relationships" xmlns:p="http://schemas.openxmlformats.org/presentationml/2006/main" showMasterSp="0" showMasterPhAnim="0">
+  <p:cSld>
+    <p:spTree>
+      <p:nvGrpSpPr>
+        <p:cNvPr id="1" name="Shape 95"/>
+        <p:cNvGrpSpPr/>
+        <p:nvPr/>
+      </p:nvGrpSpPr>
+      <p:grpSpPr>
+        <a:xfrm>
+          <a:off x="0" y="0"/>
+          <a:ext cx="0" cy="0"/>
+          <a:chOff x="0" y="0"/>
+          <a:chExt cx="0" cy="0"/>
+        </a:xfrm>
+      </p:grpSpPr>
+      <p:sp>
+        <p:nvSpPr>
+          <p:cNvPr id="96" name="Google Shape;96;g15e16d9c218_0_43:notes"/>
           <p:cNvSpPr>
             <a:spLocks noGrp="1" noRot="1" noChangeAspect="1"/>
           </p:cNvSpPr>
@@ -906,1151 +2279,7 @@
       </p:sp>
       <p:sp>
         <p:nvSpPr>
-          <p:cNvPr id="101" name="Google Shape;101;g15e16d9c218_0_49:notes"/>
-          <p:cNvSpPr txBox="1">
-            <a:spLocks noGrp="1"/>
-          </p:cNvSpPr>
-          <p:nvPr>
-            <p:ph type="body" idx="1"/>
-          </p:nvPr>
-        </p:nvSpPr>
-        <p:spPr>
-          <a:xfrm>
-            <a:off x="685800" y="4343400"/>
-            <a:ext cx="5486400" cy="4114800"/>
-          </a:xfrm>
-          <a:prstGeom prst="rect">
-            <a:avLst/>
-          </a:prstGeom>
-        </p:spPr>
-        <p:txBody>
-          <a:bodyPr spcFirstLastPara="1" wrap="square" lIns="91425" tIns="91425" rIns="91425" bIns="91425" anchor="t" anchorCtr="0">
-            <a:noAutofit/>
-          </a:bodyPr>
-          <a:lstStyle/>
-          <a:p>
-            <a:pPr marL="0" lvl="0" indent="0" algn="l" rtl="0">
-              <a:spcBef>
-                <a:spcPts val="0"/>
-              </a:spcBef>
-              <a:spcAft>
-                <a:spcPts val="0"/>
-              </a:spcAft>
-              <a:buNone/>
-            </a:pPr>
-            <a:endParaRPr/>
-          </a:p>
-        </p:txBody>
-      </p:sp>
-    </p:spTree>
-  </p:cSld>
-  <p:clrMapOvr>
-    <a:masterClrMapping/>
-  </p:clrMapOvr>
-</p:notes>
-</file>
-
-<file path=ppt/notesSlides/notesSlide11.xml><?xml version="1.0" encoding="utf-8"?>
-<p:notes xmlns:a="http://schemas.openxmlformats.org/drawingml/2006/main" xmlns:r="http://schemas.openxmlformats.org/officeDocument/2006/relationships" xmlns:p="http://schemas.openxmlformats.org/presentationml/2006/main" showMasterSp="0" showMasterPhAnim="0">
-  <p:cSld>
-    <p:spTree>
-      <p:nvGrpSpPr>
-        <p:cNvPr id="1" name="Shape 104"/>
-        <p:cNvGrpSpPr/>
-        <p:nvPr/>
-      </p:nvGrpSpPr>
-      <p:grpSpPr>
-        <a:xfrm>
-          <a:off x="0" y="0"/>
-          <a:ext cx="0" cy="0"/>
-          <a:chOff x="0" y="0"/>
-          <a:chExt cx="0" cy="0"/>
-        </a:xfrm>
-      </p:grpSpPr>
-      <p:sp>
-        <p:nvSpPr>
-          <p:cNvPr id="105" name="Google Shape;105;g15e16d9c218_0_55:notes"/>
-          <p:cNvSpPr>
-            <a:spLocks noGrp="1" noRot="1" noChangeAspect="1"/>
-          </p:cNvSpPr>
-          <p:nvPr>
-            <p:ph type="sldImg" idx="2"/>
-          </p:nvPr>
-        </p:nvSpPr>
-        <p:spPr>
-          <a:xfrm>
-            <a:off x="381300" y="685800"/>
-            <a:ext cx="6096000" cy="3429000"/>
-          </a:xfrm>
-          <a:custGeom>
-            <a:avLst/>
-            <a:gdLst/>
-            <a:ahLst/>
-            <a:cxnLst/>
-            <a:rect l="l" t="t" r="r" b="b"/>
-            <a:pathLst>
-              <a:path w="120000" h="120000" extrusionOk="0">
-                <a:moveTo>
-                  <a:pt x="0" y="0"/>
-                </a:moveTo>
-                <a:lnTo>
-                  <a:pt x="120000" y="0"/>
-                </a:lnTo>
-                <a:lnTo>
-                  <a:pt x="120000" y="120000"/>
-                </a:lnTo>
-                <a:lnTo>
-                  <a:pt x="0" y="120000"/>
-                </a:lnTo>
-                <a:close/>
-              </a:path>
-            </a:pathLst>
-          </a:custGeom>
-        </p:spPr>
-      </p:sp>
-      <p:sp>
-        <p:nvSpPr>
-          <p:cNvPr id="106" name="Google Shape;106;g15e16d9c218_0_55:notes"/>
-          <p:cNvSpPr txBox="1">
-            <a:spLocks noGrp="1"/>
-          </p:cNvSpPr>
-          <p:nvPr>
-            <p:ph type="body" idx="1"/>
-          </p:nvPr>
-        </p:nvSpPr>
-        <p:spPr>
-          <a:xfrm>
-            <a:off x="685800" y="4343400"/>
-            <a:ext cx="5486400" cy="4114800"/>
-          </a:xfrm>
-          <a:prstGeom prst="rect">
-            <a:avLst/>
-          </a:prstGeom>
-        </p:spPr>
-        <p:txBody>
-          <a:bodyPr spcFirstLastPara="1" wrap="square" lIns="91425" tIns="91425" rIns="91425" bIns="91425" anchor="t" anchorCtr="0">
-            <a:noAutofit/>
-          </a:bodyPr>
-          <a:lstStyle/>
-          <a:p>
-            <a:pPr marL="0" lvl="0" indent="0" algn="l" rtl="0">
-              <a:spcBef>
-                <a:spcPts val="0"/>
-              </a:spcBef>
-              <a:spcAft>
-                <a:spcPts val="0"/>
-              </a:spcAft>
-              <a:buNone/>
-            </a:pPr>
-            <a:endParaRPr/>
-          </a:p>
-        </p:txBody>
-      </p:sp>
-    </p:spTree>
-  </p:cSld>
-  <p:clrMapOvr>
-    <a:masterClrMapping/>
-  </p:clrMapOvr>
-</p:notes>
-</file>
-
-<file path=ppt/notesSlides/notesSlide12.xml><?xml version="1.0" encoding="utf-8"?>
-<p:notes xmlns:a="http://schemas.openxmlformats.org/drawingml/2006/main" xmlns:r="http://schemas.openxmlformats.org/officeDocument/2006/relationships" xmlns:p="http://schemas.openxmlformats.org/presentationml/2006/main" showMasterSp="0" showMasterPhAnim="0">
-  <p:cSld>
-    <p:spTree>
-      <p:nvGrpSpPr>
-        <p:cNvPr id="1" name="Shape 109"/>
-        <p:cNvGrpSpPr/>
-        <p:nvPr/>
-      </p:nvGrpSpPr>
-      <p:grpSpPr>
-        <a:xfrm>
-          <a:off x="0" y="0"/>
-          <a:ext cx="0" cy="0"/>
-          <a:chOff x="0" y="0"/>
-          <a:chExt cx="0" cy="0"/>
-        </a:xfrm>
-      </p:grpSpPr>
-      <p:sp>
-        <p:nvSpPr>
-          <p:cNvPr id="110" name="Google Shape;110;g15e16d9c218_0_61:notes"/>
-          <p:cNvSpPr>
-            <a:spLocks noGrp="1" noRot="1" noChangeAspect="1"/>
-          </p:cNvSpPr>
-          <p:nvPr>
-            <p:ph type="sldImg" idx="2"/>
-          </p:nvPr>
-        </p:nvSpPr>
-        <p:spPr>
-          <a:xfrm>
-            <a:off x="381300" y="685800"/>
-            <a:ext cx="6096000" cy="3429000"/>
-          </a:xfrm>
-          <a:custGeom>
-            <a:avLst/>
-            <a:gdLst/>
-            <a:ahLst/>
-            <a:cxnLst/>
-            <a:rect l="l" t="t" r="r" b="b"/>
-            <a:pathLst>
-              <a:path w="120000" h="120000" extrusionOk="0">
-                <a:moveTo>
-                  <a:pt x="0" y="0"/>
-                </a:moveTo>
-                <a:lnTo>
-                  <a:pt x="120000" y="0"/>
-                </a:lnTo>
-                <a:lnTo>
-                  <a:pt x="120000" y="120000"/>
-                </a:lnTo>
-                <a:lnTo>
-                  <a:pt x="0" y="120000"/>
-                </a:lnTo>
-                <a:close/>
-              </a:path>
-            </a:pathLst>
-          </a:custGeom>
-        </p:spPr>
-      </p:sp>
-      <p:sp>
-        <p:nvSpPr>
-          <p:cNvPr id="111" name="Google Shape;111;g15e16d9c218_0_61:notes"/>
-          <p:cNvSpPr txBox="1">
-            <a:spLocks noGrp="1"/>
-          </p:cNvSpPr>
-          <p:nvPr>
-            <p:ph type="body" idx="1"/>
-          </p:nvPr>
-        </p:nvSpPr>
-        <p:spPr>
-          <a:xfrm>
-            <a:off x="685800" y="4343400"/>
-            <a:ext cx="5486400" cy="4114800"/>
-          </a:xfrm>
-          <a:prstGeom prst="rect">
-            <a:avLst/>
-          </a:prstGeom>
-        </p:spPr>
-        <p:txBody>
-          <a:bodyPr spcFirstLastPara="1" wrap="square" lIns="91425" tIns="91425" rIns="91425" bIns="91425" anchor="t" anchorCtr="0">
-            <a:noAutofit/>
-          </a:bodyPr>
-          <a:lstStyle/>
-          <a:p>
-            <a:pPr marL="0" lvl="0" indent="0" algn="l" rtl="0">
-              <a:spcBef>
-                <a:spcPts val="0"/>
-              </a:spcBef>
-              <a:spcAft>
-                <a:spcPts val="0"/>
-              </a:spcAft>
-              <a:buNone/>
-            </a:pPr>
-            <a:endParaRPr/>
-          </a:p>
-        </p:txBody>
-      </p:sp>
-    </p:spTree>
-  </p:cSld>
-  <p:clrMapOvr>
-    <a:masterClrMapping/>
-  </p:clrMapOvr>
-</p:notes>
-</file>
-
-<file path=ppt/notesSlides/notesSlide13.xml><?xml version="1.0" encoding="utf-8"?>
-<p:notes xmlns:a="http://schemas.openxmlformats.org/drawingml/2006/main" xmlns:r="http://schemas.openxmlformats.org/officeDocument/2006/relationships" xmlns:p="http://schemas.openxmlformats.org/presentationml/2006/main" showMasterSp="0" showMasterPhAnim="0">
-  <p:cSld>
-    <p:spTree>
-      <p:nvGrpSpPr>
-        <p:cNvPr id="1" name="Shape 115"/>
-        <p:cNvGrpSpPr/>
-        <p:nvPr/>
-      </p:nvGrpSpPr>
-      <p:grpSpPr>
-        <a:xfrm>
-          <a:off x="0" y="0"/>
-          <a:ext cx="0" cy="0"/>
-          <a:chOff x="0" y="0"/>
-          <a:chExt cx="0" cy="0"/>
-        </a:xfrm>
-      </p:grpSpPr>
-      <p:sp>
-        <p:nvSpPr>
-          <p:cNvPr id="116" name="Google Shape;116;g15e16d9c218_0_67:notes"/>
-          <p:cNvSpPr>
-            <a:spLocks noGrp="1" noRot="1" noChangeAspect="1"/>
-          </p:cNvSpPr>
-          <p:nvPr>
-            <p:ph type="sldImg" idx="2"/>
-          </p:nvPr>
-        </p:nvSpPr>
-        <p:spPr>
-          <a:xfrm>
-            <a:off x="381300" y="685800"/>
-            <a:ext cx="6096000" cy="3429000"/>
-          </a:xfrm>
-          <a:custGeom>
-            <a:avLst/>
-            <a:gdLst/>
-            <a:ahLst/>
-            <a:cxnLst/>
-            <a:rect l="l" t="t" r="r" b="b"/>
-            <a:pathLst>
-              <a:path w="120000" h="120000" extrusionOk="0">
-                <a:moveTo>
-                  <a:pt x="0" y="0"/>
-                </a:moveTo>
-                <a:lnTo>
-                  <a:pt x="120000" y="0"/>
-                </a:lnTo>
-                <a:lnTo>
-                  <a:pt x="120000" y="120000"/>
-                </a:lnTo>
-                <a:lnTo>
-                  <a:pt x="0" y="120000"/>
-                </a:lnTo>
-                <a:close/>
-              </a:path>
-            </a:pathLst>
-          </a:custGeom>
-        </p:spPr>
-      </p:sp>
-      <p:sp>
-        <p:nvSpPr>
-          <p:cNvPr id="117" name="Google Shape;117;g15e16d9c218_0_67:notes"/>
-          <p:cNvSpPr txBox="1">
-            <a:spLocks noGrp="1"/>
-          </p:cNvSpPr>
-          <p:nvPr>
-            <p:ph type="body" idx="1"/>
-          </p:nvPr>
-        </p:nvSpPr>
-        <p:spPr>
-          <a:xfrm>
-            <a:off x="685800" y="4343400"/>
-            <a:ext cx="5486400" cy="4114800"/>
-          </a:xfrm>
-          <a:prstGeom prst="rect">
-            <a:avLst/>
-          </a:prstGeom>
-        </p:spPr>
-        <p:txBody>
-          <a:bodyPr spcFirstLastPara="1" wrap="square" lIns="91425" tIns="91425" rIns="91425" bIns="91425" anchor="t" anchorCtr="0">
-            <a:noAutofit/>
-          </a:bodyPr>
-          <a:lstStyle/>
-          <a:p>
-            <a:pPr marL="0" lvl="0" indent="0" algn="l" rtl="0">
-              <a:spcBef>
-                <a:spcPts val="0"/>
-              </a:spcBef>
-              <a:spcAft>
-                <a:spcPts val="0"/>
-              </a:spcAft>
-              <a:buNone/>
-            </a:pPr>
-            <a:endParaRPr/>
-          </a:p>
-        </p:txBody>
-      </p:sp>
-    </p:spTree>
-  </p:cSld>
-  <p:clrMapOvr>
-    <a:masterClrMapping/>
-  </p:clrMapOvr>
-</p:notes>
-</file>
-
-<file path=ppt/notesSlides/notesSlide2.xml><?xml version="1.0" encoding="utf-8"?>
-<p:notes xmlns:a="http://schemas.openxmlformats.org/drawingml/2006/main" xmlns:r="http://schemas.openxmlformats.org/officeDocument/2006/relationships" xmlns:p="http://schemas.openxmlformats.org/presentationml/2006/main" showMasterSp="0" showMasterPhAnim="0">
-  <p:cSld>
-    <p:spTree>
-      <p:nvGrpSpPr>
-        <p:cNvPr id="1" name="Shape 56"/>
-        <p:cNvGrpSpPr/>
-        <p:nvPr/>
-      </p:nvGrpSpPr>
-      <p:grpSpPr>
-        <a:xfrm>
-          <a:off x="0" y="0"/>
-          <a:ext cx="0" cy="0"/>
-          <a:chOff x="0" y="0"/>
-          <a:chExt cx="0" cy="0"/>
-        </a:xfrm>
-      </p:grpSpPr>
-      <p:sp>
-        <p:nvSpPr>
-          <p:cNvPr id="57" name="Google Shape;57;g15e16d9c218_0_1:notes"/>
-          <p:cNvSpPr>
-            <a:spLocks noGrp="1" noRot="1" noChangeAspect="1"/>
-          </p:cNvSpPr>
-          <p:nvPr>
-            <p:ph type="sldImg" idx="2"/>
-          </p:nvPr>
-        </p:nvSpPr>
-        <p:spPr>
-          <a:xfrm>
-            <a:off x="381300" y="685800"/>
-            <a:ext cx="6096000" cy="3429000"/>
-          </a:xfrm>
-          <a:custGeom>
-            <a:avLst/>
-            <a:gdLst/>
-            <a:ahLst/>
-            <a:cxnLst/>
-            <a:rect l="l" t="t" r="r" b="b"/>
-            <a:pathLst>
-              <a:path w="120000" h="120000" extrusionOk="0">
-                <a:moveTo>
-                  <a:pt x="0" y="0"/>
-                </a:moveTo>
-                <a:lnTo>
-                  <a:pt x="120000" y="0"/>
-                </a:lnTo>
-                <a:lnTo>
-                  <a:pt x="120000" y="120000"/>
-                </a:lnTo>
-                <a:lnTo>
-                  <a:pt x="0" y="120000"/>
-                </a:lnTo>
-                <a:close/>
-              </a:path>
-            </a:pathLst>
-          </a:custGeom>
-        </p:spPr>
-      </p:sp>
-      <p:sp>
-        <p:nvSpPr>
-          <p:cNvPr id="58" name="Google Shape;58;g15e16d9c218_0_1:notes"/>
-          <p:cNvSpPr txBox="1">
-            <a:spLocks noGrp="1"/>
-          </p:cNvSpPr>
-          <p:nvPr>
-            <p:ph type="body" idx="1"/>
-          </p:nvPr>
-        </p:nvSpPr>
-        <p:spPr>
-          <a:xfrm>
-            <a:off x="685800" y="4343400"/>
-            <a:ext cx="5486400" cy="4114800"/>
-          </a:xfrm>
-          <a:prstGeom prst="rect">
-            <a:avLst/>
-          </a:prstGeom>
-        </p:spPr>
-        <p:txBody>
-          <a:bodyPr spcFirstLastPara="1" wrap="square" lIns="91425" tIns="91425" rIns="91425" bIns="91425" anchor="t" anchorCtr="0">
-            <a:noAutofit/>
-          </a:bodyPr>
-          <a:lstStyle/>
-          <a:p>
-            <a:pPr marL="0" lvl="0" indent="0" algn="l" rtl="0">
-              <a:spcBef>
-                <a:spcPts val="0"/>
-              </a:spcBef>
-              <a:spcAft>
-                <a:spcPts val="0"/>
-              </a:spcAft>
-              <a:buNone/>
-            </a:pPr>
-            <a:endParaRPr/>
-          </a:p>
-        </p:txBody>
-      </p:sp>
-    </p:spTree>
-  </p:cSld>
-  <p:clrMapOvr>
-    <a:masterClrMapping/>
-  </p:clrMapOvr>
-</p:notes>
-</file>
-
-<file path=ppt/notesSlides/notesSlide3.xml><?xml version="1.0" encoding="utf-8"?>
-<p:notes xmlns:a="http://schemas.openxmlformats.org/drawingml/2006/main" xmlns:r="http://schemas.openxmlformats.org/officeDocument/2006/relationships" xmlns:p="http://schemas.openxmlformats.org/presentationml/2006/main" showMasterSp="0" showMasterPhAnim="0">
-  <p:cSld>
-    <p:spTree>
-      <p:nvGrpSpPr>
-        <p:cNvPr id="1" name="Shape 62"/>
-        <p:cNvGrpSpPr/>
-        <p:nvPr/>
-      </p:nvGrpSpPr>
-      <p:grpSpPr>
-        <a:xfrm>
-          <a:off x="0" y="0"/>
-          <a:ext cx="0" cy="0"/>
-          <a:chOff x="0" y="0"/>
-          <a:chExt cx="0" cy="0"/>
-        </a:xfrm>
-      </p:grpSpPr>
-      <p:sp>
-        <p:nvSpPr>
-          <p:cNvPr id="63" name="Google Shape;63;g15e16d9c218_0_7:notes"/>
-          <p:cNvSpPr>
-            <a:spLocks noGrp="1" noRot="1" noChangeAspect="1"/>
-          </p:cNvSpPr>
-          <p:nvPr>
-            <p:ph type="sldImg" idx="2"/>
-          </p:nvPr>
-        </p:nvSpPr>
-        <p:spPr>
-          <a:xfrm>
-            <a:off x="381300" y="685800"/>
-            <a:ext cx="6096000" cy="3429000"/>
-          </a:xfrm>
-          <a:custGeom>
-            <a:avLst/>
-            <a:gdLst/>
-            <a:ahLst/>
-            <a:cxnLst/>
-            <a:rect l="l" t="t" r="r" b="b"/>
-            <a:pathLst>
-              <a:path w="120000" h="120000" extrusionOk="0">
-                <a:moveTo>
-                  <a:pt x="0" y="0"/>
-                </a:moveTo>
-                <a:lnTo>
-                  <a:pt x="120000" y="0"/>
-                </a:lnTo>
-                <a:lnTo>
-                  <a:pt x="120000" y="120000"/>
-                </a:lnTo>
-                <a:lnTo>
-                  <a:pt x="0" y="120000"/>
-                </a:lnTo>
-                <a:close/>
-              </a:path>
-            </a:pathLst>
-          </a:custGeom>
-        </p:spPr>
-      </p:sp>
-      <p:sp>
-        <p:nvSpPr>
-          <p:cNvPr id="64" name="Google Shape;64;g15e16d9c218_0_7:notes"/>
-          <p:cNvSpPr txBox="1">
-            <a:spLocks noGrp="1"/>
-          </p:cNvSpPr>
-          <p:nvPr>
-            <p:ph type="body" idx="1"/>
-          </p:nvPr>
-        </p:nvSpPr>
-        <p:spPr>
-          <a:xfrm>
-            <a:off x="685800" y="4343400"/>
-            <a:ext cx="5486400" cy="4114800"/>
-          </a:xfrm>
-          <a:prstGeom prst="rect">
-            <a:avLst/>
-          </a:prstGeom>
-        </p:spPr>
-        <p:txBody>
-          <a:bodyPr spcFirstLastPara="1" wrap="square" lIns="91425" tIns="91425" rIns="91425" bIns="91425" anchor="t" anchorCtr="0">
-            <a:noAutofit/>
-          </a:bodyPr>
-          <a:lstStyle/>
-          <a:p>
-            <a:pPr marL="0" lvl="0" indent="0" algn="l" rtl="0">
-              <a:spcBef>
-                <a:spcPts val="0"/>
-              </a:spcBef>
-              <a:spcAft>
-                <a:spcPts val="0"/>
-              </a:spcAft>
-              <a:buNone/>
-            </a:pPr>
-            <a:endParaRPr/>
-          </a:p>
-        </p:txBody>
-      </p:sp>
-    </p:spTree>
-  </p:cSld>
-  <p:clrMapOvr>
-    <a:masterClrMapping/>
-  </p:clrMapOvr>
-</p:notes>
-</file>
-
-<file path=ppt/notesSlides/notesSlide4.xml><?xml version="1.0" encoding="utf-8"?>
-<p:notes xmlns:a="http://schemas.openxmlformats.org/drawingml/2006/main" xmlns:r="http://schemas.openxmlformats.org/officeDocument/2006/relationships" xmlns:p="http://schemas.openxmlformats.org/presentationml/2006/main" showMasterSp="0" showMasterPhAnim="0">
-  <p:cSld>
-    <p:spTree>
-      <p:nvGrpSpPr>
-        <p:cNvPr id="1" name="Shape 68"/>
-        <p:cNvGrpSpPr/>
-        <p:nvPr/>
-      </p:nvGrpSpPr>
-      <p:grpSpPr>
-        <a:xfrm>
-          <a:off x="0" y="0"/>
-          <a:ext cx="0" cy="0"/>
-          <a:chOff x="0" y="0"/>
-          <a:chExt cx="0" cy="0"/>
-        </a:xfrm>
-      </p:grpSpPr>
-      <p:sp>
-        <p:nvSpPr>
-          <p:cNvPr id="69" name="Google Shape;69;g15e16d9c218_0_13:notes"/>
-          <p:cNvSpPr>
-            <a:spLocks noGrp="1" noRot="1" noChangeAspect="1"/>
-          </p:cNvSpPr>
-          <p:nvPr>
-            <p:ph type="sldImg" idx="2"/>
-          </p:nvPr>
-        </p:nvSpPr>
-        <p:spPr>
-          <a:xfrm>
-            <a:off x="381300" y="685800"/>
-            <a:ext cx="6096000" cy="3429000"/>
-          </a:xfrm>
-          <a:custGeom>
-            <a:avLst/>
-            <a:gdLst/>
-            <a:ahLst/>
-            <a:cxnLst/>
-            <a:rect l="l" t="t" r="r" b="b"/>
-            <a:pathLst>
-              <a:path w="120000" h="120000" extrusionOk="0">
-                <a:moveTo>
-                  <a:pt x="0" y="0"/>
-                </a:moveTo>
-                <a:lnTo>
-                  <a:pt x="120000" y="0"/>
-                </a:lnTo>
-                <a:lnTo>
-                  <a:pt x="120000" y="120000"/>
-                </a:lnTo>
-                <a:lnTo>
-                  <a:pt x="0" y="120000"/>
-                </a:lnTo>
-                <a:close/>
-              </a:path>
-            </a:pathLst>
-          </a:custGeom>
-        </p:spPr>
-      </p:sp>
-      <p:sp>
-        <p:nvSpPr>
-          <p:cNvPr id="70" name="Google Shape;70;g15e16d9c218_0_13:notes"/>
-          <p:cNvSpPr txBox="1">
-            <a:spLocks noGrp="1"/>
-          </p:cNvSpPr>
-          <p:nvPr>
-            <p:ph type="body" idx="1"/>
-          </p:nvPr>
-        </p:nvSpPr>
-        <p:spPr>
-          <a:xfrm>
-            <a:off x="685800" y="4343400"/>
-            <a:ext cx="5486400" cy="4114800"/>
-          </a:xfrm>
-          <a:prstGeom prst="rect">
-            <a:avLst/>
-          </a:prstGeom>
-        </p:spPr>
-        <p:txBody>
-          <a:bodyPr spcFirstLastPara="1" wrap="square" lIns="91425" tIns="91425" rIns="91425" bIns="91425" anchor="t" anchorCtr="0">
-            <a:noAutofit/>
-          </a:bodyPr>
-          <a:lstStyle/>
-          <a:p>
-            <a:pPr marL="0" lvl="0" indent="0" algn="l" rtl="0">
-              <a:spcBef>
-                <a:spcPts val="0"/>
-              </a:spcBef>
-              <a:spcAft>
-                <a:spcPts val="0"/>
-              </a:spcAft>
-              <a:buNone/>
-            </a:pPr>
-            <a:endParaRPr/>
-          </a:p>
-        </p:txBody>
-      </p:sp>
-    </p:spTree>
-  </p:cSld>
-  <p:clrMapOvr>
-    <a:masterClrMapping/>
-  </p:clrMapOvr>
-</p:notes>
-</file>
-
-<file path=ppt/notesSlides/notesSlide5.xml><?xml version="1.0" encoding="utf-8"?>
-<p:notes xmlns:a="http://schemas.openxmlformats.org/drawingml/2006/main" xmlns:r="http://schemas.openxmlformats.org/officeDocument/2006/relationships" xmlns:p="http://schemas.openxmlformats.org/presentationml/2006/main" showMasterSp="0" showMasterPhAnim="0">
-  <p:cSld>
-    <p:spTree>
-      <p:nvGrpSpPr>
-        <p:cNvPr id="1" name="Shape 73"/>
-        <p:cNvGrpSpPr/>
-        <p:nvPr/>
-      </p:nvGrpSpPr>
-      <p:grpSpPr>
-        <a:xfrm>
-          <a:off x="0" y="0"/>
-          <a:ext cx="0" cy="0"/>
-          <a:chOff x="0" y="0"/>
-          <a:chExt cx="0" cy="0"/>
-        </a:xfrm>
-      </p:grpSpPr>
-      <p:sp>
-        <p:nvSpPr>
-          <p:cNvPr id="74" name="Google Shape;74;g15e16d9c218_0_19:notes"/>
-          <p:cNvSpPr>
-            <a:spLocks noGrp="1" noRot="1" noChangeAspect="1"/>
-          </p:cNvSpPr>
-          <p:nvPr>
-            <p:ph type="sldImg" idx="2"/>
-          </p:nvPr>
-        </p:nvSpPr>
-        <p:spPr>
-          <a:xfrm>
-            <a:off x="381300" y="685800"/>
-            <a:ext cx="6096000" cy="3429000"/>
-          </a:xfrm>
-          <a:custGeom>
-            <a:avLst/>
-            <a:gdLst/>
-            <a:ahLst/>
-            <a:cxnLst/>
-            <a:rect l="l" t="t" r="r" b="b"/>
-            <a:pathLst>
-              <a:path w="120000" h="120000" extrusionOk="0">
-                <a:moveTo>
-                  <a:pt x="0" y="0"/>
-                </a:moveTo>
-                <a:lnTo>
-                  <a:pt x="120000" y="0"/>
-                </a:lnTo>
-                <a:lnTo>
-                  <a:pt x="120000" y="120000"/>
-                </a:lnTo>
-                <a:lnTo>
-                  <a:pt x="0" y="120000"/>
-                </a:lnTo>
-                <a:close/>
-              </a:path>
-            </a:pathLst>
-          </a:custGeom>
-        </p:spPr>
-      </p:sp>
-      <p:sp>
-        <p:nvSpPr>
-          <p:cNvPr id="75" name="Google Shape;75;g15e16d9c218_0_19:notes"/>
-          <p:cNvSpPr txBox="1">
-            <a:spLocks noGrp="1"/>
-          </p:cNvSpPr>
-          <p:nvPr>
-            <p:ph type="body" idx="1"/>
-          </p:nvPr>
-        </p:nvSpPr>
-        <p:spPr>
-          <a:xfrm>
-            <a:off x="685800" y="4343400"/>
-            <a:ext cx="5486400" cy="4114800"/>
-          </a:xfrm>
-          <a:prstGeom prst="rect">
-            <a:avLst/>
-          </a:prstGeom>
-        </p:spPr>
-        <p:txBody>
-          <a:bodyPr spcFirstLastPara="1" wrap="square" lIns="91425" tIns="91425" rIns="91425" bIns="91425" anchor="t" anchorCtr="0">
-            <a:noAutofit/>
-          </a:bodyPr>
-          <a:lstStyle/>
-          <a:p>
-            <a:pPr marL="0" lvl="0" indent="0" algn="l" rtl="0">
-              <a:spcBef>
-                <a:spcPts val="0"/>
-              </a:spcBef>
-              <a:spcAft>
-                <a:spcPts val="0"/>
-              </a:spcAft>
-              <a:buNone/>
-            </a:pPr>
-            <a:endParaRPr/>
-          </a:p>
-        </p:txBody>
-      </p:sp>
-    </p:spTree>
-  </p:cSld>
-  <p:clrMapOvr>
-    <a:masterClrMapping/>
-  </p:clrMapOvr>
-</p:notes>
-</file>
-
-<file path=ppt/notesSlides/notesSlide6.xml><?xml version="1.0" encoding="utf-8"?>
-<p:notes xmlns:a="http://schemas.openxmlformats.org/drawingml/2006/main" xmlns:r="http://schemas.openxmlformats.org/officeDocument/2006/relationships" xmlns:p="http://schemas.openxmlformats.org/presentationml/2006/main" showMasterSp="0" showMasterPhAnim="0">
-  <p:cSld>
-    <p:spTree>
-      <p:nvGrpSpPr>
-        <p:cNvPr id="1" name="Shape 78"/>
-        <p:cNvGrpSpPr/>
-        <p:nvPr/>
-      </p:nvGrpSpPr>
-      <p:grpSpPr>
-        <a:xfrm>
-          <a:off x="0" y="0"/>
-          <a:ext cx="0" cy="0"/>
-          <a:chOff x="0" y="0"/>
-          <a:chExt cx="0" cy="0"/>
-        </a:xfrm>
-      </p:grpSpPr>
-      <p:sp>
-        <p:nvSpPr>
-          <p:cNvPr id="79" name="Google Shape;79;g15e16d9c218_0_25:notes"/>
-          <p:cNvSpPr>
-            <a:spLocks noGrp="1" noRot="1" noChangeAspect="1"/>
-          </p:cNvSpPr>
-          <p:nvPr>
-            <p:ph type="sldImg" idx="2"/>
-          </p:nvPr>
-        </p:nvSpPr>
-        <p:spPr>
-          <a:xfrm>
-            <a:off x="381300" y="685800"/>
-            <a:ext cx="6096000" cy="3429000"/>
-          </a:xfrm>
-          <a:custGeom>
-            <a:avLst/>
-            <a:gdLst/>
-            <a:ahLst/>
-            <a:cxnLst/>
-            <a:rect l="l" t="t" r="r" b="b"/>
-            <a:pathLst>
-              <a:path w="120000" h="120000" extrusionOk="0">
-                <a:moveTo>
-                  <a:pt x="0" y="0"/>
-                </a:moveTo>
-                <a:lnTo>
-                  <a:pt x="120000" y="0"/>
-                </a:lnTo>
-                <a:lnTo>
-                  <a:pt x="120000" y="120000"/>
-                </a:lnTo>
-                <a:lnTo>
-                  <a:pt x="0" y="120000"/>
-                </a:lnTo>
-                <a:close/>
-              </a:path>
-            </a:pathLst>
-          </a:custGeom>
-        </p:spPr>
-      </p:sp>
-      <p:sp>
-        <p:nvSpPr>
-          <p:cNvPr id="80" name="Google Shape;80;g15e16d9c218_0_25:notes"/>
-          <p:cNvSpPr txBox="1">
-            <a:spLocks noGrp="1"/>
-          </p:cNvSpPr>
-          <p:nvPr>
-            <p:ph type="body" idx="1"/>
-          </p:nvPr>
-        </p:nvSpPr>
-        <p:spPr>
-          <a:xfrm>
-            <a:off x="685800" y="4343400"/>
-            <a:ext cx="5486400" cy="4114800"/>
-          </a:xfrm>
-          <a:prstGeom prst="rect">
-            <a:avLst/>
-          </a:prstGeom>
-        </p:spPr>
-        <p:txBody>
-          <a:bodyPr spcFirstLastPara="1" wrap="square" lIns="91425" tIns="91425" rIns="91425" bIns="91425" anchor="t" anchorCtr="0">
-            <a:noAutofit/>
-          </a:bodyPr>
-          <a:lstStyle/>
-          <a:p>
-            <a:pPr marL="0" lvl="0" indent="0" algn="l" rtl="0">
-              <a:spcBef>
-                <a:spcPts val="0"/>
-              </a:spcBef>
-              <a:spcAft>
-                <a:spcPts val="0"/>
-              </a:spcAft>
-              <a:buNone/>
-            </a:pPr>
-            <a:endParaRPr/>
-          </a:p>
-        </p:txBody>
-      </p:sp>
-    </p:spTree>
-  </p:cSld>
-  <p:clrMapOvr>
-    <a:masterClrMapping/>
-  </p:clrMapOvr>
-</p:notes>
-</file>
-
-<file path=ppt/notesSlides/notesSlide7.xml><?xml version="1.0" encoding="utf-8"?>
-<p:notes xmlns:a="http://schemas.openxmlformats.org/drawingml/2006/main" xmlns:r="http://schemas.openxmlformats.org/officeDocument/2006/relationships" xmlns:p="http://schemas.openxmlformats.org/presentationml/2006/main" showMasterSp="0" showMasterPhAnim="0">
-  <p:cSld>
-    <p:spTree>
-      <p:nvGrpSpPr>
-        <p:cNvPr id="1" name="Shape 83"/>
-        <p:cNvGrpSpPr/>
-        <p:nvPr/>
-      </p:nvGrpSpPr>
-      <p:grpSpPr>
-        <a:xfrm>
-          <a:off x="0" y="0"/>
-          <a:ext cx="0" cy="0"/>
-          <a:chOff x="0" y="0"/>
-          <a:chExt cx="0" cy="0"/>
-        </a:xfrm>
-      </p:grpSpPr>
-      <p:sp>
-        <p:nvSpPr>
-          <p:cNvPr id="84" name="Google Shape;84;g15e16d9c218_0_31:notes"/>
-          <p:cNvSpPr>
-            <a:spLocks noGrp="1" noRot="1" noChangeAspect="1"/>
-          </p:cNvSpPr>
-          <p:nvPr>
-            <p:ph type="sldImg" idx="2"/>
-          </p:nvPr>
-        </p:nvSpPr>
-        <p:spPr>
-          <a:xfrm>
-            <a:off x="381300" y="685800"/>
-            <a:ext cx="6096000" cy="3429000"/>
-          </a:xfrm>
-          <a:custGeom>
-            <a:avLst/>
-            <a:gdLst/>
-            <a:ahLst/>
-            <a:cxnLst/>
-            <a:rect l="l" t="t" r="r" b="b"/>
-            <a:pathLst>
-              <a:path w="120000" h="120000" extrusionOk="0">
-                <a:moveTo>
-                  <a:pt x="0" y="0"/>
-                </a:moveTo>
-                <a:lnTo>
-                  <a:pt x="120000" y="0"/>
-                </a:lnTo>
-                <a:lnTo>
-                  <a:pt x="120000" y="120000"/>
-                </a:lnTo>
-                <a:lnTo>
-                  <a:pt x="0" y="120000"/>
-                </a:lnTo>
-                <a:close/>
-              </a:path>
-            </a:pathLst>
-          </a:custGeom>
-        </p:spPr>
-      </p:sp>
-      <p:sp>
-        <p:nvSpPr>
-          <p:cNvPr id="85" name="Google Shape;85;g15e16d9c218_0_31:notes"/>
-          <p:cNvSpPr txBox="1">
-            <a:spLocks noGrp="1"/>
-          </p:cNvSpPr>
-          <p:nvPr>
-            <p:ph type="body" idx="1"/>
-          </p:nvPr>
-        </p:nvSpPr>
-        <p:spPr>
-          <a:xfrm>
-            <a:off x="685800" y="4343400"/>
-            <a:ext cx="5486400" cy="4114800"/>
-          </a:xfrm>
-          <a:prstGeom prst="rect">
-            <a:avLst/>
-          </a:prstGeom>
-        </p:spPr>
-        <p:txBody>
-          <a:bodyPr spcFirstLastPara="1" wrap="square" lIns="91425" tIns="91425" rIns="91425" bIns="91425" anchor="t" anchorCtr="0">
-            <a:noAutofit/>
-          </a:bodyPr>
-          <a:lstStyle/>
-          <a:p>
-            <a:pPr marL="0" lvl="0" indent="0" algn="l" rtl="0">
-              <a:spcBef>
-                <a:spcPts val="0"/>
-              </a:spcBef>
-              <a:spcAft>
-                <a:spcPts val="0"/>
-              </a:spcAft>
-              <a:buNone/>
-            </a:pPr>
-            <a:endParaRPr/>
-          </a:p>
-        </p:txBody>
-      </p:sp>
-    </p:spTree>
-  </p:cSld>
-  <p:clrMapOvr>
-    <a:masterClrMapping/>
-  </p:clrMapOvr>
-</p:notes>
-</file>
-
-<file path=ppt/notesSlides/notesSlide8.xml><?xml version="1.0" encoding="utf-8"?>
-<p:notes xmlns:a="http://schemas.openxmlformats.org/drawingml/2006/main" xmlns:r="http://schemas.openxmlformats.org/officeDocument/2006/relationships" xmlns:p="http://schemas.openxmlformats.org/presentationml/2006/main" showMasterSp="0" showMasterPhAnim="0">
-  <p:cSld>
-    <p:spTree>
-      <p:nvGrpSpPr>
-        <p:cNvPr id="1" name="Shape 88"/>
-        <p:cNvGrpSpPr/>
-        <p:nvPr/>
-      </p:nvGrpSpPr>
-      <p:grpSpPr>
-        <a:xfrm>
-          <a:off x="0" y="0"/>
-          <a:ext cx="0" cy="0"/>
-          <a:chOff x="0" y="0"/>
-          <a:chExt cx="0" cy="0"/>
-        </a:xfrm>
-      </p:grpSpPr>
-      <p:sp>
-        <p:nvSpPr>
-          <p:cNvPr id="89" name="Google Shape;89;g15e16d9c218_0_37:notes"/>
-          <p:cNvSpPr>
-            <a:spLocks noGrp="1" noRot="1" noChangeAspect="1"/>
-          </p:cNvSpPr>
-          <p:nvPr>
-            <p:ph type="sldImg" idx="2"/>
-          </p:nvPr>
-        </p:nvSpPr>
-        <p:spPr>
-          <a:xfrm>
-            <a:off x="381300" y="685800"/>
-            <a:ext cx="6096000" cy="3429000"/>
-          </a:xfrm>
-          <a:custGeom>
-            <a:avLst/>
-            <a:gdLst/>
-            <a:ahLst/>
-            <a:cxnLst/>
-            <a:rect l="l" t="t" r="r" b="b"/>
-            <a:pathLst>
-              <a:path w="120000" h="120000" extrusionOk="0">
-                <a:moveTo>
-                  <a:pt x="0" y="0"/>
-                </a:moveTo>
-                <a:lnTo>
-                  <a:pt x="120000" y="0"/>
-                </a:lnTo>
-                <a:lnTo>
-                  <a:pt x="120000" y="120000"/>
-                </a:lnTo>
-                <a:lnTo>
-                  <a:pt x="0" y="120000"/>
-                </a:lnTo>
-                <a:close/>
-              </a:path>
-            </a:pathLst>
-          </a:custGeom>
-        </p:spPr>
-      </p:sp>
-      <p:sp>
-        <p:nvSpPr>
-          <p:cNvPr id="90" name="Google Shape;90;g15e16d9c218_0_37:notes"/>
-          <p:cNvSpPr txBox="1">
-            <a:spLocks noGrp="1"/>
-          </p:cNvSpPr>
-          <p:nvPr>
-            <p:ph type="body" idx="1"/>
-          </p:nvPr>
-        </p:nvSpPr>
-        <p:spPr>
-          <a:xfrm>
-            <a:off x="685800" y="4343400"/>
-            <a:ext cx="5486400" cy="4114800"/>
-          </a:xfrm>
-          <a:prstGeom prst="rect">
-            <a:avLst/>
-          </a:prstGeom>
-        </p:spPr>
-        <p:txBody>
-          <a:bodyPr spcFirstLastPara="1" wrap="square" lIns="91425" tIns="91425" rIns="91425" bIns="91425" anchor="t" anchorCtr="0">
-            <a:noAutofit/>
-          </a:bodyPr>
-          <a:lstStyle/>
-          <a:p>
-            <a:pPr marL="0" lvl="0" indent="0" algn="l" rtl="0">
-              <a:spcBef>
-                <a:spcPts val="0"/>
-              </a:spcBef>
-              <a:spcAft>
-                <a:spcPts val="0"/>
-              </a:spcAft>
-              <a:buNone/>
-            </a:pPr>
-            <a:endParaRPr/>
-          </a:p>
-        </p:txBody>
-      </p:sp>
-    </p:spTree>
-  </p:cSld>
-  <p:clrMapOvr>
-    <a:masterClrMapping/>
-  </p:clrMapOvr>
-</p:notes>
-</file>
-
-<file path=ppt/notesSlides/notesSlide9.xml><?xml version="1.0" encoding="utf-8"?>
-<p:notes xmlns:a="http://schemas.openxmlformats.org/drawingml/2006/main" xmlns:r="http://schemas.openxmlformats.org/officeDocument/2006/relationships" xmlns:p="http://schemas.openxmlformats.org/presentationml/2006/main" showMasterSp="0" showMasterPhAnim="0">
-  <p:cSld>
-    <p:spTree>
-      <p:nvGrpSpPr>
-        <p:cNvPr id="1" name="Shape 93"/>
-        <p:cNvGrpSpPr/>
-        <p:nvPr/>
-      </p:nvGrpSpPr>
-      <p:grpSpPr>
-        <a:xfrm>
-          <a:off x="0" y="0"/>
-          <a:ext cx="0" cy="0"/>
-          <a:chOff x="0" y="0"/>
-          <a:chExt cx="0" cy="0"/>
-        </a:xfrm>
-      </p:grpSpPr>
-      <p:sp>
-        <p:nvSpPr>
-          <p:cNvPr id="94" name="Google Shape;94;g15e16d9c218_0_43:notes"/>
-          <p:cNvSpPr>
-            <a:spLocks noGrp="1" noRot="1" noChangeAspect="1"/>
-          </p:cNvSpPr>
-          <p:nvPr>
-            <p:ph type="sldImg" idx="2"/>
-          </p:nvPr>
-        </p:nvSpPr>
-        <p:spPr>
-          <a:xfrm>
-            <a:off x="381300" y="685800"/>
-            <a:ext cx="6096000" cy="3429000"/>
-          </a:xfrm>
-          <a:custGeom>
-            <a:avLst/>
-            <a:gdLst/>
-            <a:ahLst/>
-            <a:cxnLst/>
-            <a:rect l="l" t="t" r="r" b="b"/>
-            <a:pathLst>
-              <a:path w="120000" h="120000" extrusionOk="0">
-                <a:moveTo>
-                  <a:pt x="0" y="0"/>
-                </a:moveTo>
-                <a:lnTo>
-                  <a:pt x="120000" y="0"/>
-                </a:lnTo>
-                <a:lnTo>
-                  <a:pt x="120000" y="120000"/>
-                </a:lnTo>
-                <a:lnTo>
-                  <a:pt x="0" y="120000"/>
-                </a:lnTo>
-                <a:close/>
-              </a:path>
-            </a:pathLst>
-          </a:custGeom>
-        </p:spPr>
-      </p:sp>
-      <p:sp>
-        <p:nvSpPr>
-          <p:cNvPr id="95" name="Google Shape;95;g15e16d9c218_0_43:notes"/>
+          <p:cNvPr id="97" name="Google Shape;97;g15e16d9c218_0_43:notes"/>
           <p:cNvSpPr txBox="1">
             <a:spLocks noGrp="1"/>
           </p:cNvSpPr>
@@ -6872,8 +7101,8 @@
         </p:nvSpPr>
         <p:spPr>
           <a:xfrm>
-            <a:off x="311700" y="744575"/>
-            <a:ext cx="8520600" cy="908700"/>
+            <a:off x="311708" y="744575"/>
+            <a:ext cx="8520600" cy="2052600"/>
           </a:xfrm>
           <a:prstGeom prst="rect">
             <a:avLst/>
@@ -6881,11 +7110,11 @@
         </p:spPr>
         <p:txBody>
           <a:bodyPr spcFirstLastPara="1" wrap="square" lIns="91425" tIns="91425" rIns="91425" bIns="91425" anchor="b" anchorCtr="0">
-            <a:normAutofit fontScale="90000"/>
+            <a:normAutofit/>
           </a:bodyPr>
           <a:lstStyle/>
           <a:p>
-            <a:pPr marL="0" lvl="0" indent="0" algn="l" rtl="0">
+            <a:pPr marL="0" lvl="0" indent="0" algn="ctr" rtl="0">
               <a:spcBef>
                 <a:spcPts val="0"/>
               </a:spcBef>
@@ -6895,10 +7124,10 @@
               <a:buNone/>
             </a:pPr>
             <a:r>
-              <a:rPr lang="en-GB" dirty="0"/>
-              <a:t>Problem Statement</a:t>
+              <a:rPr lang="en-GB"/>
+              <a:t>Group 3 Project 1</a:t>
             </a:r>
-            <a:endParaRPr dirty="0"/>
+            <a:endParaRPr/>
           </a:p>
         </p:txBody>
       </p:sp>
@@ -6914,8 +7143,8 @@
         </p:nvSpPr>
         <p:spPr>
           <a:xfrm>
-            <a:off x="311700" y="2112500"/>
-            <a:ext cx="8520600" cy="1514100"/>
+            <a:off x="311700" y="2834125"/>
+            <a:ext cx="8520600" cy="792600"/>
           </a:xfrm>
           <a:prstGeom prst="rect">
             <a:avLst/>
@@ -6927,41 +7156,29 @@
           </a:bodyPr>
           <a:lstStyle/>
           <a:p>
-            <a:pPr marL="0" lvl="0" indent="0" algn="l" rtl="0">
+            <a:pPr marL="0" lvl="0" indent="0" algn="ctr" rtl="0">
               <a:lnSpc>
                 <a:spcPct val="80000"/>
               </a:lnSpc>
               <a:spcBef>
-                <a:spcPts val="1000"/>
-              </a:spcBef>
-              <a:spcAft>
-                <a:spcPts val="0"/>
-              </a:spcAft>
-              <a:buClr>
-                <a:schemeClr val="dk1"/>
-              </a:buClr>
-              <a:buSzPts val="523"/>
-              <a:buFont typeface="Arial"/>
+                <a:spcPts val="0"/>
+              </a:spcBef>
+              <a:spcAft>
+                <a:spcPts val="0"/>
+              </a:spcAft>
+              <a:buSzPts val="605"/>
               <a:buNone/>
             </a:pPr>
             <a:r>
-              <a:rPr lang="en-GB" sz="1800" dirty="0">
-                <a:solidFill>
-                  <a:schemeClr val="dk1"/>
-                </a:solidFill>
-              </a:rPr>
-              <a:t>Education is important to a country because it improves stability, provides better opportunity and boosts the economy. SAT and ACT are used for college admission decisions. Tertiary education being one of the key factors affecting the employability and the future of a person, Department of Education is performing analysis on the country's SAT and ACT results to determine which of the states require more resources allocation and focus.</a:t>
+              <a:rPr lang="en-GB" sz="2840"/>
+              <a:t>Jance Ng </a:t>
             </a:r>
-            <a:endParaRPr sz="1800" dirty="0">
-              <a:solidFill>
-                <a:schemeClr val="dk1"/>
-              </a:solidFill>
-            </a:endParaRPr>
+            <a:endParaRPr sz="2840"/>
           </a:p>
           <a:p>
             <a:pPr marL="0" lvl="0" indent="0" algn="ctr" rtl="0">
               <a:lnSpc>
-                <a:spcPct val="90000"/>
+                <a:spcPct val="80000"/>
               </a:lnSpc>
               <a:spcBef>
                 <a:spcPts val="0"/>
@@ -6969,10 +7186,34 @@
               <a:spcAft>
                 <a:spcPts val="0"/>
               </a:spcAft>
-              <a:buSzPts val="523"/>
+              <a:buSzPts val="605"/>
               <a:buNone/>
             </a:pPr>
-            <a:endParaRPr sz="1800" dirty="0"/>
+            <a:r>
+              <a:rPr lang="en-GB" sz="2840"/>
+              <a:t>Jin Min Wood</a:t>
+            </a:r>
+            <a:endParaRPr sz="2840"/>
+          </a:p>
+          <a:p>
+            <a:pPr marL="0" lvl="0" indent="0" algn="ctr" rtl="0">
+              <a:lnSpc>
+                <a:spcPct val="80000"/>
+              </a:lnSpc>
+              <a:spcBef>
+                <a:spcPts val="0"/>
+              </a:spcBef>
+              <a:spcAft>
+                <a:spcPts val="0"/>
+              </a:spcAft>
+              <a:buSzPts val="605"/>
+              <a:buNone/>
+            </a:pPr>
+            <a:r>
+              <a:rPr lang="en-GB" sz="2840"/>
+              <a:t>Adrian Kong</a:t>
+            </a:r>
+            <a:endParaRPr sz="2840"/>
           </a:p>
         </p:txBody>
       </p:sp>
@@ -6989,7 +7230,7 @@
   <p:cSld>
     <p:spTree>
       <p:nvGrpSpPr>
-        <p:cNvPr id="1" name="Shape 102"/>
+        <p:cNvPr id="1" name="Shape 103"/>
         <p:cNvGrpSpPr/>
         <p:nvPr/>
       </p:nvGrpSpPr>
@@ -7003,7 +7244,7 @@
       </p:grpSpPr>
       <p:pic>
         <p:nvPicPr>
-          <p:cNvPr id="103" name="Google Shape;103;p22"/>
+          <p:cNvPr id="104" name="Google Shape;104;p22"/>
           <p:cNvPicPr preferRelativeResize="0"/>
           <p:nvPr/>
         </p:nvPicPr>
@@ -7042,7 +7283,7 @@
   <p:cSld>
     <p:spTree>
       <p:nvGrpSpPr>
-        <p:cNvPr id="1" name="Shape 107"/>
+        <p:cNvPr id="1" name="Shape 108"/>
         <p:cNvGrpSpPr/>
         <p:nvPr/>
       </p:nvGrpSpPr>
@@ -7056,7 +7297,7 @@
       </p:grpSpPr>
       <p:pic>
         <p:nvPicPr>
-          <p:cNvPr id="108" name="Google Shape;108;p23"/>
+          <p:cNvPr id="109" name="Google Shape;109;p23"/>
           <p:cNvPicPr preferRelativeResize="0"/>
           <p:nvPr/>
         </p:nvPicPr>
@@ -7070,8 +7311,8 @@
         </p:blipFill>
         <p:spPr>
           <a:xfrm>
-            <a:off x="1332897" y="0"/>
-            <a:ext cx="6478206" cy="5143500"/>
+            <a:off x="1354838" y="20413"/>
+            <a:ext cx="6434326" cy="5102676"/>
           </a:xfrm>
           <a:prstGeom prst="rect">
             <a:avLst/>
@@ -7095,7 +7336,7 @@
   <p:cSld>
     <p:spTree>
       <p:nvGrpSpPr>
-        <p:cNvPr id="1" name="Shape 112"/>
+        <p:cNvPr id="1" name="Shape 113"/>
         <p:cNvGrpSpPr/>
         <p:nvPr/>
       </p:nvGrpSpPr>
@@ -7109,7 +7350,7 @@
       </p:grpSpPr>
       <p:sp>
         <p:nvSpPr>
-          <p:cNvPr id="113" name="Google Shape;113;p24"/>
+          <p:cNvPr id="114" name="Google Shape;114;p24"/>
           <p:cNvSpPr txBox="1">
             <a:spLocks noGrp="1"/>
           </p:cNvSpPr>
@@ -7152,7 +7393,7 @@
       </p:sp>
       <p:sp>
         <p:nvSpPr>
-          <p:cNvPr id="114" name="Google Shape;114;p24"/>
+          <p:cNvPr id="115" name="Google Shape;115;p24"/>
           <p:cNvSpPr txBox="1">
             <a:spLocks noGrp="1"/>
           </p:cNvSpPr>
@@ -7175,7 +7416,7 @@
           </a:bodyPr>
           <a:lstStyle/>
           <a:p>
-            <a:pPr marL="0" lvl="0" indent="0" algn="l" rtl="0">
+            <a:pPr marL="0" lvl="0" indent="0" algn="just" rtl="0">
               <a:lnSpc>
                 <a:spcPct val="90000"/>
               </a:lnSpc>
@@ -7214,7 +7455,7 @@
                   <a:schemeClr val="dk1"/>
                 </a:solidFill>
               </a:rPr>
-              <a:t> to prevent the results in these states get worsen. </a:t>
+              <a:t> to prevent the results in these states from getting worse. </a:t>
             </a:r>
             <a:endParaRPr sz="2100">
               <a:solidFill>
@@ -7249,7 +7490,7 @@
   <p:cSld>
     <p:spTree>
       <p:nvGrpSpPr>
-        <p:cNvPr id="1" name="Shape 118"/>
+        <p:cNvPr id="1" name="Shape 119"/>
         <p:cNvGrpSpPr/>
         <p:nvPr/>
       </p:nvGrpSpPr>
@@ -7263,7 +7504,7 @@
       </p:grpSpPr>
       <p:sp>
         <p:nvSpPr>
-          <p:cNvPr id="119" name="Google Shape;119;p25"/>
+          <p:cNvPr id="120" name="Google Shape;120;p25"/>
           <p:cNvSpPr txBox="1">
             <a:spLocks noGrp="1"/>
           </p:cNvSpPr>
@@ -7353,7 +7594,7 @@
       </p:sp>
       <p:sp>
         <p:nvSpPr>
-          <p:cNvPr id="120" name="Google Shape;120;p25"/>
+          <p:cNvPr id="121" name="Google Shape;121;p25"/>
           <p:cNvSpPr txBox="1">
             <a:spLocks noGrp="1"/>
           </p:cNvSpPr>
@@ -7418,9 +7659,147 @@
           <a:chExt cx="0" cy="0"/>
         </a:xfrm>
       </p:grpSpPr>
+      <p:sp>
+        <p:nvSpPr>
+          <p:cNvPr id="60" name="Google Shape;60;p14"/>
+          <p:cNvSpPr txBox="1">
+            <a:spLocks noGrp="1"/>
+          </p:cNvSpPr>
+          <p:nvPr>
+            <p:ph type="ctrTitle"/>
+          </p:nvPr>
+        </p:nvSpPr>
+        <p:spPr>
+          <a:xfrm>
+            <a:off x="311700" y="744575"/>
+            <a:ext cx="8520600" cy="908700"/>
+          </a:xfrm>
+          <a:prstGeom prst="rect">
+            <a:avLst/>
+          </a:prstGeom>
+        </p:spPr>
+        <p:txBody>
+          <a:bodyPr spcFirstLastPara="1" wrap="square" lIns="91425" tIns="91425" rIns="91425" bIns="91425" anchor="b" anchorCtr="0">
+            <a:normAutofit fontScale="90000"/>
+          </a:bodyPr>
+          <a:lstStyle/>
+          <a:p>
+            <a:pPr marL="0" lvl="0" indent="0" algn="l" rtl="0">
+              <a:spcBef>
+                <a:spcPts val="0"/>
+              </a:spcBef>
+              <a:spcAft>
+                <a:spcPts val="0"/>
+              </a:spcAft>
+              <a:buNone/>
+            </a:pPr>
+            <a:r>
+              <a:rPr lang="en-GB"/>
+              <a:t>Problem Statement</a:t>
+            </a:r>
+            <a:endParaRPr/>
+          </a:p>
+        </p:txBody>
+      </p:sp>
+      <p:sp>
+        <p:nvSpPr>
+          <p:cNvPr id="61" name="Google Shape;61;p14"/>
+          <p:cNvSpPr txBox="1">
+            <a:spLocks noGrp="1"/>
+          </p:cNvSpPr>
+          <p:nvPr>
+            <p:ph type="subTitle" idx="1"/>
+          </p:nvPr>
+        </p:nvSpPr>
+        <p:spPr>
+          <a:xfrm>
+            <a:off x="311700" y="2112500"/>
+            <a:ext cx="8520600" cy="2477400"/>
+          </a:xfrm>
+          <a:prstGeom prst="rect">
+            <a:avLst/>
+          </a:prstGeom>
+        </p:spPr>
+        <p:txBody>
+          <a:bodyPr spcFirstLastPara="1" wrap="square" lIns="91425" tIns="91425" rIns="91425" bIns="91425" anchor="t" anchorCtr="0">
+            <a:noAutofit/>
+          </a:bodyPr>
+          <a:lstStyle/>
+          <a:p>
+            <a:pPr marL="0" lvl="0" indent="0" algn="just" rtl="0">
+              <a:lnSpc>
+                <a:spcPct val="80000"/>
+              </a:lnSpc>
+              <a:spcBef>
+                <a:spcPts val="1000"/>
+              </a:spcBef>
+              <a:spcAft>
+                <a:spcPts val="0"/>
+              </a:spcAft>
+              <a:buClr>
+                <a:schemeClr val="dk1"/>
+              </a:buClr>
+              <a:buSzPts val="523"/>
+              <a:buFont typeface="Arial"/>
+              <a:buNone/>
+            </a:pPr>
+            <a:r>
+              <a:rPr lang="en-GB" sz="2150">
+                <a:solidFill>
+                  <a:schemeClr val="dk1"/>
+                </a:solidFill>
+                <a:highlight>
+                  <a:schemeClr val="lt1"/>
+                </a:highlight>
+              </a:rPr>
+              <a:t>Education is important to any country, because it equips people with the skills and knowledges for better job opportunities and thereby boosting the economy.</a:t>
+            </a:r>
+            <a:r>
+              <a:rPr lang="en-GB" sz="2102">
+                <a:solidFill>
+                  <a:schemeClr val="dk1"/>
+                </a:solidFill>
+                <a:highlight>
+                  <a:schemeClr val="lt1"/>
+                </a:highlight>
+              </a:rPr>
+              <a:t> </a:t>
+            </a:r>
+            <a:r>
+              <a:rPr lang="en-GB" sz="2102">
+                <a:solidFill>
+                  <a:schemeClr val="dk1"/>
+                </a:solidFill>
+              </a:rPr>
+              <a:t>SAT and ACT are used for college admission decisions. Tertiary education being one of the key factors affecting the employability and the future of a person. Department of Education (DOE) is performing analysis on the country's SAT and ACT results to determine which of the states require more resources allocation and focus.</a:t>
+            </a:r>
+            <a:endParaRPr sz="2102">
+              <a:solidFill>
+                <a:schemeClr val="dk1"/>
+              </a:solidFill>
+            </a:endParaRPr>
+          </a:p>
+          <a:p>
+            <a:pPr marL="0" lvl="0" indent="0" algn="ctr" rtl="0">
+              <a:lnSpc>
+                <a:spcPct val="90000"/>
+              </a:lnSpc>
+              <a:spcBef>
+                <a:spcPts val="0"/>
+              </a:spcBef>
+              <a:spcAft>
+                <a:spcPts val="0"/>
+              </a:spcAft>
+              <a:buSzPts val="523"/>
+              <a:buNone/>
+            </a:pPr>
+            <a:endParaRPr sz="1629"/>
+          </a:p>
+        </p:txBody>
+      </p:sp>
       <p:pic>
         <p:nvPicPr>
-          <p:cNvPr id="60" name="Google Shape;60;p14"/>
+          <p:cNvPr id="62" name="Google Shape;62;p14"/>
           <p:cNvPicPr preferRelativeResize="0"/>
           <p:nvPr/>
         </p:nvPicPr>
@@ -7434,7 +7813,60 @@
         </p:blipFill>
         <p:spPr>
           <a:xfrm>
-            <a:off x="1283854" y="40825"/>
+            <a:off x="7252325" y="172975"/>
+            <a:ext cx="1579976" cy="1579976"/>
+          </a:xfrm>
+          <a:prstGeom prst="rect">
+            <a:avLst/>
+          </a:prstGeom>
+          <a:noFill/>
+          <a:ln>
+            <a:noFill/>
+          </a:ln>
+        </p:spPr>
+      </p:pic>
+    </p:spTree>
+  </p:cSld>
+  <p:clrMapOvr>
+    <a:masterClrMapping/>
+  </p:clrMapOvr>
+</p:sld>
+</file>
+
+<file path=ppt/slides/slide3.xml><?xml version="1.0" encoding="utf-8"?>
+<p:sld xmlns:a="http://schemas.openxmlformats.org/drawingml/2006/main" xmlns:r="http://schemas.openxmlformats.org/officeDocument/2006/relationships" xmlns:p="http://schemas.openxmlformats.org/presentationml/2006/main">
+  <p:cSld>
+    <p:spTree>
+      <p:nvGrpSpPr>
+        <p:cNvPr id="1" name="Shape 66"/>
+        <p:cNvGrpSpPr/>
+        <p:nvPr/>
+      </p:nvGrpSpPr>
+      <p:grpSpPr>
+        <a:xfrm>
+          <a:off x="0" y="0"/>
+          <a:ext cx="0" cy="0"/>
+          <a:chOff x="0" y="0"/>
+          <a:chExt cx="0" cy="0"/>
+        </a:xfrm>
+      </p:grpSpPr>
+      <p:pic>
+        <p:nvPicPr>
+          <p:cNvPr id="67" name="Google Shape;67;p15"/>
+          <p:cNvPicPr preferRelativeResize="0"/>
+          <p:nvPr/>
+        </p:nvPicPr>
+        <p:blipFill>
+          <a:blip r:embed="rId3">
+            <a:alphaModFix/>
+          </a:blip>
+          <a:stretch>
+            <a:fillRect/>
+          </a:stretch>
+        </p:blipFill>
+        <p:spPr>
+          <a:xfrm>
+            <a:off x="1283854" y="0"/>
             <a:ext cx="6576293" cy="5143501"/>
           </a:xfrm>
           <a:prstGeom prst="rect">
@@ -7448,7 +7880,7 @@
       </p:pic>
       <p:cxnSp>
         <p:nvCxnSpPr>
-          <p:cNvPr id="61" name="Google Shape;61;p14"/>
+          <p:cNvPr id="68" name="Google Shape;68;p15"/>
           <p:cNvCxnSpPr/>
           <p:nvPr/>
         </p:nvCxnSpPr>
@@ -7480,12 +7912,12 @@
 </p:sld>
 </file>
 
-<file path=ppt/slides/slide3.xml><?xml version="1.0" encoding="utf-8"?>
+<file path=ppt/slides/slide4.xml><?xml version="1.0" encoding="utf-8"?>
 <p:sld xmlns:a="http://schemas.openxmlformats.org/drawingml/2006/main" xmlns:r="http://schemas.openxmlformats.org/officeDocument/2006/relationships" xmlns:p="http://schemas.openxmlformats.org/presentationml/2006/main">
   <p:cSld>
     <p:spTree>
       <p:nvGrpSpPr>
-        <p:cNvPr id="1" name="Shape 65"/>
+        <p:cNvPr id="1" name="Shape 72"/>
         <p:cNvGrpSpPr/>
         <p:nvPr/>
       </p:nvGrpSpPr>
@@ -7499,7 +7931,7 @@
       </p:grpSpPr>
       <p:pic>
         <p:nvPicPr>
-          <p:cNvPr id="66" name="Google Shape;66;p15"/>
+          <p:cNvPr id="73" name="Google Shape;73;p16"/>
           <p:cNvPicPr preferRelativeResize="0"/>
           <p:nvPr/>
         </p:nvPicPr>
@@ -7527,7 +7959,7 @@
       </p:pic>
       <p:cxnSp>
         <p:nvCxnSpPr>
-          <p:cNvPr id="67" name="Google Shape;67;p15"/>
+          <p:cNvPr id="74" name="Google Shape;74;p16"/>
           <p:cNvCxnSpPr/>
           <p:nvPr/>
         </p:nvCxnSpPr>
@@ -7559,12 +7991,12 @@
 </p:sld>
 </file>
 
-<file path=ppt/slides/slide4.xml><?xml version="1.0" encoding="utf-8"?>
+<file path=ppt/slides/slide5.xml><?xml version="1.0" encoding="utf-8"?>
 <p:sld xmlns:a="http://schemas.openxmlformats.org/drawingml/2006/main" xmlns:r="http://schemas.openxmlformats.org/officeDocument/2006/relationships" xmlns:p="http://schemas.openxmlformats.org/presentationml/2006/main">
   <p:cSld>
     <p:spTree>
       <p:nvGrpSpPr>
-        <p:cNvPr id="1" name="Shape 71"/>
+        <p:cNvPr id="1" name="Shape 78"/>
         <p:cNvGrpSpPr/>
         <p:nvPr/>
       </p:nvGrpSpPr>
@@ -7578,7 +8010,7 @@
       </p:grpSpPr>
       <p:pic>
         <p:nvPicPr>
-          <p:cNvPr id="72" name="Google Shape;72;p16"/>
+          <p:cNvPr id="79" name="Google Shape;79;p17"/>
           <p:cNvPicPr preferRelativeResize="0"/>
           <p:nvPr/>
         </p:nvPicPr>
@@ -7612,12 +8044,12 @@
 </p:sld>
 </file>
 
-<file path=ppt/slides/slide5.xml><?xml version="1.0" encoding="utf-8"?>
+<file path=ppt/slides/slide6.xml><?xml version="1.0" encoding="utf-8"?>
 <p:sld xmlns:a="http://schemas.openxmlformats.org/drawingml/2006/main" xmlns:r="http://schemas.openxmlformats.org/officeDocument/2006/relationships" xmlns:p="http://schemas.openxmlformats.org/presentationml/2006/main">
   <p:cSld>
     <p:spTree>
       <p:nvGrpSpPr>
-        <p:cNvPr id="1" name="Shape 76"/>
+        <p:cNvPr id="1" name="Shape 83"/>
         <p:cNvGrpSpPr/>
         <p:nvPr/>
       </p:nvGrpSpPr>
@@ -7631,7 +8063,7 @@
       </p:grpSpPr>
       <p:pic>
         <p:nvPicPr>
-          <p:cNvPr id="77" name="Google Shape;77;p17"/>
+          <p:cNvPr id="84" name="Google Shape;84;p18"/>
           <p:cNvPicPr preferRelativeResize="0"/>
           <p:nvPr/>
         </p:nvPicPr>
@@ -7665,12 +8097,12 @@
 </p:sld>
 </file>
 
-<file path=ppt/slides/slide6.xml><?xml version="1.0" encoding="utf-8"?>
+<file path=ppt/slides/slide7.xml><?xml version="1.0" encoding="utf-8"?>
 <p:sld xmlns:a="http://schemas.openxmlformats.org/drawingml/2006/main" xmlns:r="http://schemas.openxmlformats.org/officeDocument/2006/relationships" xmlns:p="http://schemas.openxmlformats.org/presentationml/2006/main">
   <p:cSld>
     <p:spTree>
       <p:nvGrpSpPr>
-        <p:cNvPr id="1" name="Shape 81"/>
+        <p:cNvPr id="1" name="Shape 88"/>
         <p:cNvGrpSpPr/>
         <p:nvPr/>
       </p:nvGrpSpPr>
@@ -7684,60 +8116,7 @@
       </p:grpSpPr>
       <p:pic>
         <p:nvPicPr>
-          <p:cNvPr id="82" name="Google Shape;82;p18"/>
-          <p:cNvPicPr preferRelativeResize="0"/>
-          <p:nvPr/>
-        </p:nvPicPr>
-        <p:blipFill>
-          <a:blip r:embed="rId3">
-            <a:alphaModFix/>
-          </a:blip>
-          <a:stretch>
-            <a:fillRect/>
-          </a:stretch>
-        </p:blipFill>
-        <p:spPr>
-          <a:xfrm>
-            <a:off x="1409540" y="0"/>
-            <a:ext cx="6324921" cy="5143501"/>
-          </a:xfrm>
-          <a:prstGeom prst="rect">
-            <a:avLst/>
-          </a:prstGeom>
-          <a:noFill/>
-          <a:ln>
-            <a:noFill/>
-          </a:ln>
-        </p:spPr>
-      </p:pic>
-    </p:spTree>
-  </p:cSld>
-  <p:clrMapOvr>
-    <a:masterClrMapping/>
-  </p:clrMapOvr>
-</p:sld>
-</file>
-
-<file path=ppt/slides/slide7.xml><?xml version="1.0" encoding="utf-8"?>
-<p:sld xmlns:a="http://schemas.openxmlformats.org/drawingml/2006/main" xmlns:r="http://schemas.openxmlformats.org/officeDocument/2006/relationships" xmlns:p="http://schemas.openxmlformats.org/presentationml/2006/main">
-  <p:cSld>
-    <p:spTree>
-      <p:nvGrpSpPr>
-        <p:cNvPr id="1" name="Shape 86"/>
-        <p:cNvGrpSpPr/>
-        <p:nvPr/>
-      </p:nvGrpSpPr>
-      <p:grpSpPr>
-        <a:xfrm>
-          <a:off x="0" y="0"/>
-          <a:ext cx="0" cy="0"/>
-          <a:chOff x="0" y="0"/>
-          <a:chExt cx="0" cy="0"/>
-        </a:xfrm>
-      </p:grpSpPr>
-      <p:pic>
-        <p:nvPicPr>
-          <p:cNvPr id="87" name="Google Shape;87;p19"/>
+          <p:cNvPr id="89" name="Google Shape;89;p19"/>
           <p:cNvPicPr preferRelativeResize="0"/>
           <p:nvPr/>
         </p:nvPicPr>
@@ -7776,7 +8155,7 @@
   <p:cSld>
     <p:spTree>
       <p:nvGrpSpPr>
-        <p:cNvPr id="1" name="Shape 91"/>
+        <p:cNvPr id="1" name="Shape 93"/>
         <p:cNvGrpSpPr/>
         <p:nvPr/>
       </p:nvGrpSpPr>
@@ -7790,7 +8169,7 @@
       </p:grpSpPr>
       <p:pic>
         <p:nvPicPr>
-          <p:cNvPr id="92" name="Google Shape;92;p20"/>
+          <p:cNvPr id="94" name="Google Shape;94;p20"/>
           <p:cNvPicPr preferRelativeResize="0"/>
           <p:nvPr/>
         </p:nvPicPr>
@@ -7804,8 +8183,8 @@
         </p:blipFill>
         <p:spPr>
           <a:xfrm>
-            <a:off x="0" y="833065"/>
-            <a:ext cx="9144001" cy="3477371"/>
+            <a:off x="0" y="832637"/>
+            <a:ext cx="9143999" cy="3478218"/>
           </a:xfrm>
           <a:prstGeom prst="rect">
             <a:avLst/>
@@ -7829,7 +8208,7 @@
   <p:cSld>
     <p:spTree>
       <p:nvGrpSpPr>
-        <p:cNvPr id="1" name="Shape 96"/>
+        <p:cNvPr id="1" name="Shape 98"/>
         <p:cNvGrpSpPr/>
         <p:nvPr/>
       </p:nvGrpSpPr>
@@ -7841,47 +8220,9 @@
           <a:chExt cx="0" cy="0"/>
         </a:xfrm>
       </p:grpSpPr>
-      <p:sp>
-        <p:nvSpPr>
-          <p:cNvPr id="97" name="Google Shape;97;p21"/>
-          <p:cNvSpPr txBox="1">
-            <a:spLocks noGrp="1"/>
-          </p:cNvSpPr>
-          <p:nvPr>
-            <p:ph type="body" idx="1"/>
-          </p:nvPr>
-        </p:nvSpPr>
-        <p:spPr>
-          <a:xfrm>
-            <a:off x="311700" y="1152475"/>
-            <a:ext cx="8520600" cy="3416400"/>
-          </a:xfrm>
-          <a:prstGeom prst="rect">
-            <a:avLst/>
-          </a:prstGeom>
-        </p:spPr>
-        <p:txBody>
-          <a:bodyPr spcFirstLastPara="1" wrap="square" lIns="91425" tIns="91425" rIns="91425" bIns="91425" anchor="t" anchorCtr="0">
-            <a:normAutofit/>
-          </a:bodyPr>
-          <a:lstStyle/>
-          <a:p>
-            <a:pPr marL="0" lvl="0" indent="0" algn="l" rtl="0">
-              <a:spcBef>
-                <a:spcPts val="0"/>
-              </a:spcBef>
-              <a:spcAft>
-                <a:spcPts val="1200"/>
-              </a:spcAft>
-              <a:buNone/>
-            </a:pPr>
-            <a:endParaRPr/>
-          </a:p>
-        </p:txBody>
-      </p:sp>
       <p:pic>
         <p:nvPicPr>
-          <p:cNvPr id="98" name="Google Shape;98;p21"/>
+          <p:cNvPr id="99" name="Google Shape;99;p21"/>
           <p:cNvPicPr preferRelativeResize="0"/>
           <p:nvPr/>
         </p:nvPicPr>
